--- a/Pitch.pptx
+++ b/Pitch.pptx
@@ -6,11 +6,12 @@
   </p:sldMasterIdLst>
   <p:sldIdLst>
     <p:sldId id="256" r:id="rId2"/>
-    <p:sldId id="257" r:id="rId3"/>
+    <p:sldId id="262" r:id="rId3"/>
     <p:sldId id="258" r:id="rId4"/>
     <p:sldId id="259" r:id="rId5"/>
-    <p:sldId id="260" r:id="rId6"/>
-    <p:sldId id="261" r:id="rId7"/>
+    <p:sldId id="264" r:id="rId6"/>
+    <p:sldId id="260" r:id="rId7"/>
+    <p:sldId id="261" r:id="rId8"/>
   </p:sldIdLst>
   <p:sldSz cx="12192000" cy="6858000"/>
   <p:notesSz cx="6858000" cy="9144000"/>
@@ -146,7 +147,7 @@
           <a:blip r:embed="rId2">
             <a:extLst>
               <a:ext uri="{28A0092B-C50C-407E-A947-70E740481C1C}">
-                <a14:useLocalDpi xmlns:a14="http://schemas.microsoft.com/office/drawing/2010/main" val="0"/>
+                <a14:useLocalDpi xmlns:a14="http://schemas.microsoft.com/office/drawing/2010/main"/>
               </a:ext>
             </a:extLst>
           </a:blip>
@@ -341,7 +342,7 @@
           <a:p>
             <a:fld id="{2E6EA2C2-4F6E-46C5-BE3C-0F0CC0794FDC}" type="datetimeFigureOut">
               <a:rPr lang="en-US" smtClean="0"/>
-              <a:t>12/6/2014</a:t>
+              <a:t>12/6/14</a:t>
             </a:fld>
             <a:endParaRPr lang="en-US"/>
           </a:p>
@@ -441,7 +442,7 @@
           <a:blip r:embed="rId2">
             <a:extLst>
               <a:ext uri="{28A0092B-C50C-407E-A947-70E740481C1C}">
-                <a14:useLocalDpi xmlns:a14="http://schemas.microsoft.com/office/drawing/2010/main" val="0"/>
+                <a14:useLocalDpi xmlns:a14="http://schemas.microsoft.com/office/drawing/2010/main"/>
               </a:ext>
             </a:extLst>
           </a:blip>
@@ -675,7 +676,7 @@
           <a:p>
             <a:fld id="{2E6EA2C2-4F6E-46C5-BE3C-0F0CC0794FDC}" type="datetimeFigureOut">
               <a:rPr lang="en-US" smtClean="0"/>
-              <a:t>12/6/2014</a:t>
+              <a:t>12/6/14</a:t>
             </a:fld>
             <a:endParaRPr lang="en-US"/>
           </a:p>
@@ -765,7 +766,7 @@
           <a:blip r:embed="rId2">
             <a:extLst>
               <a:ext uri="{28A0092B-C50C-407E-A947-70E740481C1C}">
-                <a14:useLocalDpi xmlns:a14="http://schemas.microsoft.com/office/drawing/2010/main" val="0"/>
+                <a14:useLocalDpi xmlns:a14="http://schemas.microsoft.com/office/drawing/2010/main"/>
               </a:ext>
             </a:extLst>
           </a:blip>
@@ -953,7 +954,7 @@
           <a:p>
             <a:fld id="{2E6EA2C2-4F6E-46C5-BE3C-0F0CC0794FDC}" type="datetimeFigureOut">
               <a:rPr lang="en-US" smtClean="0"/>
-              <a:t>12/6/2014</a:t>
+              <a:t>12/6/14</a:t>
             </a:fld>
             <a:endParaRPr lang="en-US"/>
           </a:p>
@@ -1043,7 +1044,7 @@
           <a:blip r:embed="rId2">
             <a:extLst>
               <a:ext uri="{28A0092B-C50C-407E-A947-70E740481C1C}">
-                <a14:useLocalDpi xmlns:a14="http://schemas.microsoft.com/office/drawing/2010/main" val="0"/>
+                <a14:useLocalDpi xmlns:a14="http://schemas.microsoft.com/office/drawing/2010/main"/>
               </a:ext>
             </a:extLst>
           </a:blip>
@@ -1521,7 +1522,7 @@
           <a:p>
             <a:fld id="{2E6EA2C2-4F6E-46C5-BE3C-0F0CC0794FDC}" type="datetimeFigureOut">
               <a:rPr lang="en-US" smtClean="0"/>
-              <a:t>12/6/2014</a:t>
+              <a:t>12/6/14</a:t>
             </a:fld>
             <a:endParaRPr lang="en-US"/>
           </a:p>
@@ -1611,7 +1612,7 @@
           <a:blip r:embed="rId2">
             <a:extLst>
               <a:ext uri="{28A0092B-C50C-407E-A947-70E740481C1C}">
-                <a14:useLocalDpi xmlns:a14="http://schemas.microsoft.com/office/drawing/2010/main" val="0"/>
+                <a14:useLocalDpi xmlns:a14="http://schemas.microsoft.com/office/drawing/2010/main"/>
               </a:ext>
             </a:extLst>
           </a:blip>
@@ -1799,7 +1800,7 @@
           <a:p>
             <a:fld id="{2E6EA2C2-4F6E-46C5-BE3C-0F0CC0794FDC}" type="datetimeFigureOut">
               <a:rPr lang="en-US" smtClean="0"/>
-              <a:t>12/6/2014</a:t>
+              <a:t>12/6/14</a:t>
             </a:fld>
             <a:endParaRPr lang="en-US"/>
           </a:p>
@@ -1889,7 +1890,7 @@
           <a:blip r:embed="rId2">
             <a:extLst>
               <a:ext uri="{28A0092B-C50C-407E-A947-70E740481C1C}">
-                <a14:useLocalDpi xmlns:a14="http://schemas.microsoft.com/office/drawing/2010/main" val="0"/>
+                <a14:useLocalDpi xmlns:a14="http://schemas.microsoft.com/office/drawing/2010/main"/>
               </a:ext>
             </a:extLst>
           </a:blip>
@@ -2361,7 +2362,7 @@
           <a:p>
             <a:fld id="{2E6EA2C2-4F6E-46C5-BE3C-0F0CC0794FDC}" type="datetimeFigureOut">
               <a:rPr lang="en-US" smtClean="0"/>
-              <a:t>12/6/2014</a:t>
+              <a:t>12/6/14</a:t>
             </a:fld>
             <a:endParaRPr lang="en-US"/>
           </a:p>
@@ -2451,7 +2452,7 @@
           <a:blip r:embed="rId2">
             <a:extLst>
               <a:ext uri="{28A0092B-C50C-407E-A947-70E740481C1C}">
-                <a14:useLocalDpi xmlns:a14="http://schemas.microsoft.com/office/drawing/2010/main" val="0"/>
+                <a14:useLocalDpi xmlns:a14="http://schemas.microsoft.com/office/drawing/2010/main"/>
               </a:ext>
             </a:extLst>
           </a:blip>
@@ -2688,7 +2689,7 @@
           <a:p>
             <a:fld id="{2E6EA2C2-4F6E-46C5-BE3C-0F0CC0794FDC}" type="datetimeFigureOut">
               <a:rPr lang="en-US" smtClean="0"/>
-              <a:t>12/6/2014</a:t>
+              <a:t>12/6/14</a:t>
             </a:fld>
             <a:endParaRPr lang="en-US"/>
           </a:p>
@@ -2778,7 +2779,7 @@
           <a:blip r:embed="rId2">
             <a:extLst>
               <a:ext uri="{28A0092B-C50C-407E-A947-70E740481C1C}">
-                <a14:useLocalDpi xmlns:a14="http://schemas.microsoft.com/office/drawing/2010/main" val="0"/>
+                <a14:useLocalDpi xmlns:a14="http://schemas.microsoft.com/office/drawing/2010/main"/>
               </a:ext>
             </a:extLst>
           </a:blip>
@@ -2865,7 +2866,7 @@
           <a:p>
             <a:fld id="{2E6EA2C2-4F6E-46C5-BE3C-0F0CC0794FDC}" type="datetimeFigureOut">
               <a:rPr lang="en-US" smtClean="0"/>
-              <a:t>12/6/2014</a:t>
+              <a:t>12/6/14</a:t>
             </a:fld>
             <a:endParaRPr lang="en-US"/>
           </a:p>
@@ -2983,7 +2984,7 @@
           <a:blip r:embed="rId2">
             <a:extLst>
               <a:ext uri="{28A0092B-C50C-407E-A947-70E740481C1C}">
-                <a14:useLocalDpi xmlns:a14="http://schemas.microsoft.com/office/drawing/2010/main" val="0"/>
+                <a14:useLocalDpi xmlns:a14="http://schemas.microsoft.com/office/drawing/2010/main"/>
               </a:ext>
             </a:extLst>
           </a:blip>
@@ -3103,7 +3104,7 @@
           <a:p>
             <a:fld id="{2E6EA2C2-4F6E-46C5-BE3C-0F0CC0794FDC}" type="datetimeFigureOut">
               <a:rPr lang="en-US" smtClean="0"/>
-              <a:t>12/6/2014</a:t>
+              <a:t>12/6/14</a:t>
             </a:fld>
             <a:endParaRPr lang="en-US"/>
           </a:p>
@@ -3193,7 +3194,7 @@
           <a:blip r:embed="rId2">
             <a:extLst>
               <a:ext uri="{28A0092B-C50C-407E-A947-70E740481C1C}">
-                <a14:useLocalDpi xmlns:a14="http://schemas.microsoft.com/office/drawing/2010/main" val="0"/>
+                <a14:useLocalDpi xmlns:a14="http://schemas.microsoft.com/office/drawing/2010/main"/>
               </a:ext>
             </a:extLst>
           </a:blip>
@@ -3303,7 +3304,7 @@
           <a:p>
             <a:fld id="{2E6EA2C2-4F6E-46C5-BE3C-0F0CC0794FDC}" type="datetimeFigureOut">
               <a:rPr lang="en-US" smtClean="0"/>
-              <a:t>12/6/2014</a:t>
+              <a:t>12/6/14</a:t>
             </a:fld>
             <a:endParaRPr lang="en-US"/>
           </a:p>
@@ -3393,7 +3394,7 @@
           <a:blip r:embed="rId2">
             <a:extLst>
               <a:ext uri="{28A0092B-C50C-407E-A947-70E740481C1C}">
-                <a14:useLocalDpi xmlns:a14="http://schemas.microsoft.com/office/drawing/2010/main" val="0"/>
+                <a14:useLocalDpi xmlns:a14="http://schemas.microsoft.com/office/drawing/2010/main"/>
               </a:ext>
             </a:extLst>
           </a:blip>
@@ -3579,7 +3580,7 @@
           <a:p>
             <a:fld id="{2E6EA2C2-4F6E-46C5-BE3C-0F0CC0794FDC}" type="datetimeFigureOut">
               <a:rPr lang="en-US" smtClean="0"/>
-              <a:t>12/6/2014</a:t>
+              <a:t>12/6/14</a:t>
             </a:fld>
             <a:endParaRPr lang="en-US"/>
           </a:p>
@@ -3669,7 +3670,7 @@
           <a:blip r:embed="rId2">
             <a:extLst>
               <a:ext uri="{28A0092B-C50C-407E-A947-70E740481C1C}">
-                <a14:useLocalDpi xmlns:a14="http://schemas.microsoft.com/office/drawing/2010/main" val="0"/>
+                <a14:useLocalDpi xmlns:a14="http://schemas.microsoft.com/office/drawing/2010/main"/>
               </a:ext>
             </a:extLst>
           </a:blip>
@@ -3845,7 +3846,7 @@
           <a:p>
             <a:fld id="{2E6EA2C2-4F6E-46C5-BE3C-0F0CC0794FDC}" type="datetimeFigureOut">
               <a:rPr lang="en-US" smtClean="0"/>
-              <a:t>12/6/2014</a:t>
+              <a:t>12/6/14</a:t>
             </a:fld>
             <a:endParaRPr lang="en-US"/>
           </a:p>
@@ -4219,7 +4220,7 @@
           <a:p>
             <a:fld id="{2E6EA2C2-4F6E-46C5-BE3C-0F0CC0794FDC}" type="datetimeFigureOut">
               <a:rPr lang="en-US" smtClean="0"/>
-              <a:t>12/6/2014</a:t>
+              <a:t>12/6/14</a:t>
             </a:fld>
             <a:endParaRPr lang="en-US"/>
           </a:p>
@@ -4309,7 +4310,7 @@
           <a:blip r:embed="rId2">
             <a:extLst>
               <a:ext uri="{28A0092B-C50C-407E-A947-70E740481C1C}">
-                <a14:useLocalDpi xmlns:a14="http://schemas.microsoft.com/office/drawing/2010/main" val="0"/>
+                <a14:useLocalDpi xmlns:a14="http://schemas.microsoft.com/office/drawing/2010/main"/>
               </a:ext>
             </a:extLst>
           </a:blip>
@@ -4367,7 +4368,7 @@
           <a:p>
             <a:fld id="{2E6EA2C2-4F6E-46C5-BE3C-0F0CC0794FDC}" type="datetimeFigureOut">
               <a:rPr lang="en-US" smtClean="0"/>
-              <a:t>12/6/2014</a:t>
+              <a:t>12/6/14</a:t>
             </a:fld>
             <a:endParaRPr lang="en-US"/>
           </a:p>
@@ -4457,7 +4458,7 @@
           <a:blip r:embed="rId2">
             <a:extLst>
               <a:ext uri="{28A0092B-C50C-407E-A947-70E740481C1C}">
-                <a14:useLocalDpi xmlns:a14="http://schemas.microsoft.com/office/drawing/2010/main" val="0"/>
+                <a14:useLocalDpi xmlns:a14="http://schemas.microsoft.com/office/drawing/2010/main"/>
               </a:ext>
             </a:extLst>
           </a:blip>
@@ -4492,7 +4493,7 @@
           <a:p>
             <a:fld id="{2E6EA2C2-4F6E-46C5-BE3C-0F0CC0794FDC}" type="datetimeFigureOut">
               <a:rPr lang="en-US" smtClean="0"/>
-              <a:t>12/6/2014</a:t>
+              <a:t>12/6/14</a:t>
             </a:fld>
             <a:endParaRPr lang="en-US"/>
           </a:p>
@@ -4582,7 +4583,7 @@
           <a:blip r:embed="rId2">
             <a:extLst>
               <a:ext uri="{28A0092B-C50C-407E-A947-70E740481C1C}">
-                <a14:useLocalDpi xmlns:a14="http://schemas.microsoft.com/office/drawing/2010/main" val="0"/>
+                <a14:useLocalDpi xmlns:a14="http://schemas.microsoft.com/office/drawing/2010/main"/>
               </a:ext>
             </a:extLst>
           </a:blip>
@@ -4777,7 +4778,7 @@
           <a:p>
             <a:fld id="{2E6EA2C2-4F6E-46C5-BE3C-0F0CC0794FDC}" type="datetimeFigureOut">
               <a:rPr lang="en-US" smtClean="0"/>
-              <a:t>12/6/2014</a:t>
+              <a:t>12/6/14</a:t>
             </a:fld>
             <a:endParaRPr lang="en-US"/>
           </a:p>
@@ -4867,7 +4868,7 @@
           <a:blip r:embed="rId2">
             <a:extLst>
               <a:ext uri="{28A0092B-C50C-407E-A947-70E740481C1C}">
-                <a14:useLocalDpi xmlns:a14="http://schemas.microsoft.com/office/drawing/2010/main" val="0"/>
+                <a14:useLocalDpi xmlns:a14="http://schemas.microsoft.com/office/drawing/2010/main"/>
               </a:ext>
             </a:extLst>
           </a:blip>
@@ -5101,7 +5102,7 @@
           <a:p>
             <a:fld id="{2E6EA2C2-4F6E-46C5-BE3C-0F0CC0794FDC}" type="datetimeFigureOut">
               <a:rPr lang="en-US" smtClean="0"/>
-              <a:t>12/6/2014</a:t>
+              <a:t>12/6/14</a:t>
             </a:fld>
             <a:endParaRPr lang="en-US"/>
           </a:p>
@@ -5315,7 +5316,7 @@
           <a:p>
             <a:fld id="{2E6EA2C2-4F6E-46C5-BE3C-0F0CC0794FDC}" type="datetimeFigureOut">
               <a:rPr lang="en-US" smtClean="0"/>
-              <a:t>12/6/2014</a:t>
+              <a:t>12/6/14</a:t>
             </a:fld>
             <a:endParaRPr lang="en-US"/>
           </a:p>
@@ -5843,7 +5844,11 @@
           <a:bodyPr/>
           <a:lstStyle/>
           <a:p>
-            <a:endParaRPr lang="en-US"/>
+            <a:r>
+              <a:rPr lang="en-US" dirty="0" smtClean="0"/>
+              <a:t>The DOWN BEAT</a:t>
+            </a:r>
+            <a:endParaRPr lang="en-US" dirty="0"/>
           </a:p>
         </p:txBody>
       </p:sp>
@@ -5899,7 +5904,7 @@
   <p:timing>
     <p:tnLst>
       <p:par>
-        <p:cTn id="1" dur="indefinite" restart="never" nodeType="tmRoot"/>
+        <p:cTn xmlns:p14="http://schemas.microsoft.com/office/powerpoint/2010/main" id="1" dur="indefinite" restart="never" nodeType="tmRoot"/>
       </p:par>
     </p:tnLst>
   </p:timing>
@@ -5940,95 +5945,154 @@
           <a:p>
             <a:r>
               <a:rPr lang="en-US" dirty="0" smtClean="0"/>
-              <a:t>Problem Context</a:t>
+              <a:t>The </a:t>
+            </a:r>
+            <a:r>
+              <a:rPr lang="en-US" dirty="0" err="1" smtClean="0"/>
+              <a:t>sitch</a:t>
             </a:r>
             <a:endParaRPr lang="en-US" dirty="0"/>
           </a:p>
         </p:txBody>
       </p:sp>
-      <p:sp>
-        <p:nvSpPr>
-          <p:cNvPr id="3" name="Content Placeholder 2"/>
-          <p:cNvSpPr>
-            <a:spLocks noGrp="1"/>
-          </p:cNvSpPr>
-          <p:nvPr>
-            <p:ph idx="1"/>
-          </p:nvPr>
-        </p:nvSpPr>
-        <p:spPr/>
-        <p:txBody>
-          <a:bodyPr/>
+      <p:pic>
+        <p:nvPicPr>
+          <p:cNvPr id="5" name="Picture 4"/>
+          <p:cNvPicPr>
+            <a:picLocks noChangeAspect="1"/>
+          </p:cNvPicPr>
+          <p:nvPr/>
+        </p:nvPicPr>
+        <p:blipFill>
+          <a:blip r:embed="rId2" cstate="screen">
+            <a:extLst>
+              <a:ext uri="{28A0092B-C50C-407E-A947-70E740481C1C}">
+                <a14:useLocalDpi xmlns:a14="http://schemas.microsoft.com/office/drawing/2010/main"/>
+              </a:ext>
+            </a:extLst>
+          </a:blip>
+          <a:stretch>
+            <a:fillRect/>
+          </a:stretch>
+        </p:blipFill>
+        <p:spPr>
+          <a:xfrm>
+            <a:off x="534408" y="2201358"/>
+            <a:ext cx="3657600" cy="2743200"/>
+          </a:xfrm>
+          <a:prstGeom prst="rect">
+            <a:avLst/>
+          </a:prstGeom>
+        </p:spPr>
+      </p:pic>
+      <p:pic>
+        <p:nvPicPr>
+          <p:cNvPr id="6" name="Picture 5"/>
+          <p:cNvPicPr>
+            <a:picLocks noChangeAspect="1"/>
+          </p:cNvPicPr>
+          <p:nvPr/>
+        </p:nvPicPr>
+        <p:blipFill rotWithShape="1">
+          <a:blip r:embed="rId3" cstate="screen">
+            <a:extLst>
+              <a:ext uri="{28A0092B-C50C-407E-A947-70E740481C1C}">
+                <a14:useLocalDpi xmlns:a14="http://schemas.microsoft.com/office/drawing/2010/main"/>
+              </a:ext>
+            </a:extLst>
+          </a:blip>
+          <a:srcRect/>
+          <a:stretch/>
+        </p:blipFill>
+        <p:spPr>
+          <a:xfrm>
+            <a:off x="4253224" y="2202231"/>
+            <a:ext cx="3657600" cy="2736041"/>
+          </a:xfrm>
+          <a:prstGeom prst="rect">
+            <a:avLst/>
+          </a:prstGeom>
+        </p:spPr>
+      </p:pic>
+      <p:pic>
+        <p:nvPicPr>
+          <p:cNvPr id="10" name="Picture 9"/>
+          <p:cNvPicPr>
+            <a:picLocks noChangeAspect="1"/>
+          </p:cNvPicPr>
+          <p:nvPr/>
+        </p:nvPicPr>
+        <p:blipFill rotWithShape="1">
+          <a:blip r:embed="rId4" cstate="screen">
+            <a:extLst>
+              <a:ext uri="{28A0092B-C50C-407E-A947-70E740481C1C}">
+                <a14:useLocalDpi xmlns:a14="http://schemas.microsoft.com/office/drawing/2010/main"/>
+              </a:ext>
+            </a:extLst>
+          </a:blip>
+          <a:srcRect/>
+          <a:stretch/>
+        </p:blipFill>
+        <p:spPr>
+          <a:xfrm>
+            <a:off x="7972039" y="2204735"/>
+            <a:ext cx="3657947" cy="2733537"/>
+          </a:xfrm>
+          <a:prstGeom prst="rect">
+            <a:avLst/>
+          </a:prstGeom>
+        </p:spPr>
+      </p:pic>
+      <p:sp>
+        <p:nvSpPr>
+          <p:cNvPr id="12" name="TextBox 11"/>
+          <p:cNvSpPr txBox="1"/>
+          <p:nvPr/>
+        </p:nvSpPr>
+        <p:spPr>
+          <a:xfrm>
+            <a:off x="3809784" y="5403488"/>
+            <a:ext cx="4541373" cy="954107"/>
+          </a:xfrm>
+          <a:prstGeom prst="rect">
+            <a:avLst/>
+          </a:prstGeom>
+          <a:noFill/>
+          <a:ln w="28575" cmpd="sng">
+            <a:solidFill>
+              <a:srgbClr val="AC3EC1"/>
+            </a:solidFill>
+            <a:prstDash val="dash"/>
+          </a:ln>
+        </p:spPr>
+        <p:txBody>
+          <a:bodyPr wrap="square" rtlCol="0" anchor="ctr">
+            <a:spAutoFit/>
+          </a:bodyPr>
           <a:lstStyle/>
           <a:p>
-            <a:r>
-              <a:rPr lang="en-US" dirty="0" smtClean="0"/>
-              <a:t>People spend too much time at the drug/alcohol store</a:t>
-            </a:r>
-          </a:p>
-          <a:p>
-            <a:r>
-              <a:rPr lang="en-US" dirty="0" smtClean="0"/>
-              <a:t>According to the NIAAA, 24.6 </a:t>
-            </a:r>
-            <a:r>
-              <a:rPr lang="en-US" dirty="0"/>
-              <a:t>percent of people ages 18 or older reported that they engaged in binge drinking in </a:t>
-            </a:r>
-            <a:r>
-              <a:rPr lang="en-US" dirty="0" smtClean="0"/>
-              <a:t>a single month; </a:t>
-            </a:r>
-            <a:r>
-              <a:rPr lang="en-US" dirty="0"/>
-              <a:t>7.1 percent reported that they engaged in heavy drinking in </a:t>
-            </a:r>
-            <a:r>
-              <a:rPr lang="en-US" dirty="0" smtClean="0"/>
-              <a:t>that same month.</a:t>
-            </a:r>
-          </a:p>
-          <a:p>
-            <a:r>
-              <a:rPr lang="en-US" dirty="0" smtClean="0"/>
-              <a:t>In 2012, </a:t>
-            </a:r>
-            <a:r>
-              <a:rPr lang="en-US" b="1" dirty="0"/>
-              <a:t>1.55 </a:t>
-            </a:r>
-            <a:r>
-              <a:rPr lang="en-US" b="1" dirty="0" smtClean="0"/>
-              <a:t>million </a:t>
-            </a:r>
-            <a:r>
-              <a:rPr lang="en-US" dirty="0" smtClean="0"/>
-              <a:t>people were arrested on non-violent drug charges (</a:t>
-            </a:r>
-            <a:r>
-              <a:rPr lang="en-US" dirty="0" err="1" smtClean="0"/>
-              <a:t>DrugPolicy</a:t>
-            </a:r>
-            <a:r>
-              <a:rPr lang="en-US" dirty="0" smtClean="0"/>
-              <a:t> Alliance)</a:t>
-            </a:r>
-          </a:p>
-          <a:p>
-            <a:r>
-              <a:rPr lang="en-US" dirty="0" smtClean="0"/>
-              <a:t>Clearly, this is an issue</a:t>
-            </a:r>
-          </a:p>
-          <a:p>
-            <a:endParaRPr lang="en-US" dirty="0"/>
+            <a:pPr algn="ctr"/>
+            <a:r>
+              <a:rPr lang="en-US" sz="2800" b="1" dirty="0" smtClean="0"/>
+              <a:t>FUN FACTOR = 0 </a:t>
+            </a:r>
+            <a:br>
+              <a:rPr lang="en-US" sz="2800" b="1" dirty="0" smtClean="0"/>
+            </a:br>
+            <a:r>
+              <a:rPr lang="en-US" sz="2800" b="1" dirty="0" smtClean="0">
+                <a:sym typeface="Wingdings"/>
+              </a:rPr>
+              <a:t></a:t>
+            </a:r>
+            <a:endParaRPr lang="en-US" sz="2800" b="1" dirty="0"/>
           </a:p>
         </p:txBody>
       </p:sp>
     </p:spTree>
     <p:extLst>
       <p:ext uri="{BB962C8B-B14F-4D97-AF65-F5344CB8AC3E}">
-        <p14:creationId xmlns:p14="http://schemas.microsoft.com/office/powerpoint/2010/main" val="195558107"/>
+        <p14:creationId xmlns:p14="http://schemas.microsoft.com/office/powerpoint/2010/main" val="1971746757"/>
       </p:ext>
     </p:extLst>
   </p:cSld>
@@ -6038,9 +6102,220 @@
   <p:timing>
     <p:tnLst>
       <p:par>
-        <p:cTn id="1" dur="indefinite" restart="never" nodeType="tmRoot"/>
+        <p:cTn xmlns:p14="http://schemas.microsoft.com/office/powerpoint/2010/main" id="1" dur="indefinite" restart="never" nodeType="tmRoot">
+          <p:childTnLst>
+            <p:seq concurrent="1" nextAc="seek">
+              <p:cTn id="2" dur="indefinite" nodeType="mainSeq">
+                <p:childTnLst>
+                  <p:par>
+                    <p:cTn id="3" fill="hold">
+                      <p:stCondLst>
+                        <p:cond delay="indefinite"/>
+                      </p:stCondLst>
+                      <p:childTnLst>
+                        <p:par>
+                          <p:cTn id="4" fill="hold">
+                            <p:stCondLst>
+                              <p:cond delay="0"/>
+                            </p:stCondLst>
+                            <p:childTnLst>
+                              <p:par>
+                                <p:cTn id="5" presetID="10" presetClass="entr" presetSubtype="0" fill="hold" nodeType="clickEffect">
+                                  <p:stCondLst>
+                                    <p:cond delay="0"/>
+                                  </p:stCondLst>
+                                  <p:childTnLst>
+                                    <p:set>
+                                      <p:cBhvr>
+                                        <p:cTn id="6" dur="1" fill="hold">
+                                          <p:stCondLst>
+                                            <p:cond delay="0"/>
+                                          </p:stCondLst>
+                                        </p:cTn>
+                                        <p:tgtEl>
+                                          <p:spTgt spid="5"/>
+                                        </p:tgtEl>
+                                        <p:attrNameLst>
+                                          <p:attrName>style.visibility</p:attrName>
+                                        </p:attrNameLst>
+                                      </p:cBhvr>
+                                      <p:to>
+                                        <p:strVal val="visible"/>
+                                      </p:to>
+                                    </p:set>
+                                    <p:animEffect transition="in" filter="fade">
+                                      <p:cBhvr>
+                                        <p:cTn id="7" dur="1500"/>
+                                        <p:tgtEl>
+                                          <p:spTgt spid="5"/>
+                                        </p:tgtEl>
+                                      </p:cBhvr>
+                                    </p:animEffect>
+                                  </p:childTnLst>
+                                </p:cTn>
+                              </p:par>
+                            </p:childTnLst>
+                          </p:cTn>
+                        </p:par>
+                        <p:par>
+                          <p:cTn id="8" fill="hold">
+                            <p:stCondLst>
+                              <p:cond delay="1500"/>
+                            </p:stCondLst>
+                            <p:childTnLst>
+                              <p:par>
+                                <p:cTn id="9" presetID="10" presetClass="entr" presetSubtype="0" fill="hold" nodeType="afterEffect">
+                                  <p:stCondLst>
+                                    <p:cond delay="0"/>
+                                  </p:stCondLst>
+                                  <p:childTnLst>
+                                    <p:set>
+                                      <p:cBhvr>
+                                        <p:cTn id="10" dur="1" fill="hold">
+                                          <p:stCondLst>
+                                            <p:cond delay="0"/>
+                                          </p:stCondLst>
+                                        </p:cTn>
+                                        <p:tgtEl>
+                                          <p:spTgt spid="6"/>
+                                        </p:tgtEl>
+                                        <p:attrNameLst>
+                                          <p:attrName>style.visibility</p:attrName>
+                                        </p:attrNameLst>
+                                      </p:cBhvr>
+                                      <p:to>
+                                        <p:strVal val="visible"/>
+                                      </p:to>
+                                    </p:set>
+                                    <p:animEffect transition="in" filter="fade">
+                                      <p:cBhvr>
+                                        <p:cTn id="11" dur="1500"/>
+                                        <p:tgtEl>
+                                          <p:spTgt spid="6"/>
+                                        </p:tgtEl>
+                                      </p:cBhvr>
+                                    </p:animEffect>
+                                  </p:childTnLst>
+                                </p:cTn>
+                              </p:par>
+                            </p:childTnLst>
+                          </p:cTn>
+                        </p:par>
+                        <p:par>
+                          <p:cTn id="12" fill="hold">
+                            <p:stCondLst>
+                              <p:cond delay="3000"/>
+                            </p:stCondLst>
+                            <p:childTnLst>
+                              <p:par>
+                                <p:cTn id="13" presetID="10" presetClass="entr" presetSubtype="0" fill="hold" nodeType="afterEffect">
+                                  <p:stCondLst>
+                                    <p:cond delay="0"/>
+                                  </p:stCondLst>
+                                  <p:childTnLst>
+                                    <p:set>
+                                      <p:cBhvr>
+                                        <p:cTn id="14" dur="1" fill="hold">
+                                          <p:stCondLst>
+                                            <p:cond delay="0"/>
+                                          </p:stCondLst>
+                                        </p:cTn>
+                                        <p:tgtEl>
+                                          <p:spTgt spid="10"/>
+                                        </p:tgtEl>
+                                        <p:attrNameLst>
+                                          <p:attrName>style.visibility</p:attrName>
+                                        </p:attrNameLst>
+                                      </p:cBhvr>
+                                      <p:to>
+                                        <p:strVal val="visible"/>
+                                      </p:to>
+                                    </p:set>
+                                    <p:animEffect transition="in" filter="fade">
+                                      <p:cBhvr>
+                                        <p:cTn id="15" dur="1500"/>
+                                        <p:tgtEl>
+                                          <p:spTgt spid="10"/>
+                                        </p:tgtEl>
+                                      </p:cBhvr>
+                                    </p:animEffect>
+                                  </p:childTnLst>
+                                </p:cTn>
+                              </p:par>
+                            </p:childTnLst>
+                          </p:cTn>
+                        </p:par>
+                        <p:par>
+                          <p:cTn id="16" fill="hold">
+                            <p:stCondLst>
+                              <p:cond delay="4500"/>
+                            </p:stCondLst>
+                            <p:childTnLst>
+                              <p:par>
+                                <p:cTn id="17" presetID="22" presetClass="entr" presetSubtype="1" fill="hold" grpId="0" nodeType="afterEffect">
+                                  <p:stCondLst>
+                                    <p:cond delay="0"/>
+                                  </p:stCondLst>
+                                  <p:childTnLst>
+                                    <p:set>
+                                      <p:cBhvr>
+                                        <p:cTn id="18" dur="1" fill="hold">
+                                          <p:stCondLst>
+                                            <p:cond delay="0"/>
+                                          </p:stCondLst>
+                                        </p:cTn>
+                                        <p:tgtEl>
+                                          <p:spTgt spid="12"/>
+                                        </p:tgtEl>
+                                        <p:attrNameLst>
+                                          <p:attrName>style.visibility</p:attrName>
+                                        </p:attrNameLst>
+                                      </p:cBhvr>
+                                      <p:to>
+                                        <p:strVal val="visible"/>
+                                      </p:to>
+                                    </p:set>
+                                    <p:animEffect transition="in" filter="wipe(up)">
+                                      <p:cBhvr>
+                                        <p:cTn id="19" dur="1000"/>
+                                        <p:tgtEl>
+                                          <p:spTgt spid="12"/>
+                                        </p:tgtEl>
+                                      </p:cBhvr>
+                                    </p:animEffect>
+                                  </p:childTnLst>
+                                </p:cTn>
+                              </p:par>
+                            </p:childTnLst>
+                          </p:cTn>
+                        </p:par>
+                      </p:childTnLst>
+                    </p:cTn>
+                  </p:par>
+                </p:childTnLst>
+              </p:cTn>
+              <p:prevCondLst>
+                <p:cond evt="onPrev" delay="0">
+                  <p:tgtEl>
+                    <p:sldTgt/>
+                  </p:tgtEl>
+                </p:cond>
+              </p:prevCondLst>
+              <p:nextCondLst>
+                <p:cond evt="onNext" delay="0">
+                  <p:tgtEl>
+                    <p:sldTgt/>
+                  </p:tgtEl>
+                </p:cond>
+              </p:nextCondLst>
+            </p:seq>
+          </p:childTnLst>
+        </p:cTn>
       </p:par>
     </p:tnLst>
+    <p:bldLst>
+      <p:bldP spid="12" grpId="0" animBg="1"/>
+    </p:bldLst>
   </p:timing>
 </p:sld>
 </file>
@@ -6079,59 +6354,140 @@
           <a:p>
             <a:r>
               <a:rPr lang="en-US" dirty="0" smtClean="0"/>
-              <a:t>Solution</a:t>
+              <a:t>DA FIX</a:t>
             </a:r>
             <a:endParaRPr lang="en-US" dirty="0"/>
           </a:p>
         </p:txBody>
       </p:sp>
-      <p:sp>
-        <p:nvSpPr>
-          <p:cNvPr id="3" name="Content Placeholder 2"/>
-          <p:cNvSpPr>
-            <a:spLocks noGrp="1"/>
-          </p:cNvSpPr>
-          <p:nvPr>
-            <p:ph idx="1"/>
-          </p:nvPr>
-        </p:nvSpPr>
-        <p:spPr/>
-        <p:txBody>
-          <a:bodyPr/>
+      <p:pic>
+        <p:nvPicPr>
+          <p:cNvPr id="8" name="Picture 7"/>
+          <p:cNvPicPr>
+            <a:picLocks noChangeAspect="1"/>
+          </p:cNvPicPr>
+          <p:nvPr/>
+        </p:nvPicPr>
+        <p:blipFill rotWithShape="1">
+          <a:blip r:embed="rId2" cstate="screen">
+            <a:extLst>
+              <a:ext uri="{28A0092B-C50C-407E-A947-70E740481C1C}">
+                <a14:useLocalDpi xmlns:a14="http://schemas.microsoft.com/office/drawing/2010/main"/>
+              </a:ext>
+            </a:extLst>
+          </a:blip>
+          <a:srcRect/>
+          <a:stretch/>
+        </p:blipFill>
+        <p:spPr>
+          <a:xfrm>
+            <a:off x="4250904" y="2209167"/>
+            <a:ext cx="3644142" cy="2733536"/>
+          </a:xfrm>
+          <a:prstGeom prst="rect">
+            <a:avLst/>
+          </a:prstGeom>
+        </p:spPr>
+      </p:pic>
+      <p:pic>
+        <p:nvPicPr>
+          <p:cNvPr id="9" name="Picture 8"/>
+          <p:cNvPicPr>
+            <a:picLocks noChangeAspect="1"/>
+          </p:cNvPicPr>
+          <p:nvPr/>
+        </p:nvPicPr>
+        <p:blipFill rotWithShape="1">
+          <a:blip r:embed="rId3" cstate="screen">
+            <a:extLst>
+              <a:ext uri="{28A0092B-C50C-407E-A947-70E740481C1C}">
+                <a14:useLocalDpi xmlns:a14="http://schemas.microsoft.com/office/drawing/2010/main"/>
+              </a:ext>
+            </a:extLst>
+          </a:blip>
+          <a:srcRect/>
+          <a:stretch/>
+        </p:blipFill>
+        <p:spPr>
+          <a:xfrm>
+            <a:off x="7970718" y="2211784"/>
+            <a:ext cx="3657600" cy="2733536"/>
+          </a:xfrm>
+          <a:prstGeom prst="rect">
+            <a:avLst/>
+          </a:prstGeom>
+        </p:spPr>
+      </p:pic>
+      <p:pic>
+        <p:nvPicPr>
+          <p:cNvPr id="10" name="Picture 9"/>
+          <p:cNvPicPr>
+            <a:picLocks noChangeAspect="1"/>
+          </p:cNvPicPr>
+          <p:nvPr/>
+        </p:nvPicPr>
+        <p:blipFill rotWithShape="1">
+          <a:blip r:embed="rId4" cstate="screen">
+            <a:extLst>
+              <a:ext uri="{28A0092B-C50C-407E-A947-70E740481C1C}">
+                <a14:useLocalDpi xmlns:a14="http://schemas.microsoft.com/office/drawing/2010/main"/>
+              </a:ext>
+            </a:extLst>
+          </a:blip>
+          <a:srcRect/>
+          <a:stretch/>
+        </p:blipFill>
+        <p:spPr>
+          <a:xfrm>
+            <a:off x="531089" y="2206440"/>
+            <a:ext cx="3644142" cy="2743200"/>
+          </a:xfrm>
+          <a:prstGeom prst="rect">
+            <a:avLst/>
+          </a:prstGeom>
+        </p:spPr>
+      </p:pic>
+      <p:sp>
+        <p:nvSpPr>
+          <p:cNvPr id="11" name="TextBox 10"/>
+          <p:cNvSpPr txBox="1"/>
+          <p:nvPr/>
+        </p:nvSpPr>
+        <p:spPr>
+          <a:xfrm>
+            <a:off x="3809784" y="5403488"/>
+            <a:ext cx="4541373" cy="954107"/>
+          </a:xfrm>
+          <a:prstGeom prst="rect">
+            <a:avLst/>
+          </a:prstGeom>
+          <a:noFill/>
+          <a:ln w="28575" cmpd="sng">
+            <a:solidFill>
+              <a:srgbClr val="AC3EC1"/>
+            </a:solidFill>
+            <a:prstDash val="dash"/>
+          </a:ln>
+        </p:spPr>
+        <p:txBody>
+          <a:bodyPr wrap="square" rtlCol="0" anchor="ctr">
+            <a:spAutoFit/>
+          </a:bodyPr>
           <a:lstStyle/>
           <a:p>
-            <a:r>
-              <a:rPr lang="en-US" dirty="0"/>
-              <a:t>They should be spending more time making </a:t>
-            </a:r>
-            <a:r>
-              <a:rPr lang="en-US" dirty="0" smtClean="0"/>
-              <a:t>music</a:t>
-            </a:r>
-          </a:p>
-          <a:p>
-            <a:r>
-              <a:rPr lang="en-US" dirty="0" smtClean="0"/>
-              <a:t>Thus, we built an interactive display that encourages participation</a:t>
-            </a:r>
-          </a:p>
-          <a:p>
-            <a:r>
-              <a:rPr lang="en-US" dirty="0" smtClean="0"/>
-              <a:t>Each participant controls a particular section of a musical piece</a:t>
-            </a:r>
-          </a:p>
-          <a:p>
-            <a:r>
-              <a:rPr lang="en-US" dirty="0" smtClean="0"/>
-              <a:t>The participant’s </a:t>
-            </a:r>
-          </a:p>
-          <a:p>
-            <a:endParaRPr lang="en-US" dirty="0" smtClean="0"/>
-          </a:p>
-          <a:p>
-            <a:endParaRPr lang="en-US" dirty="0"/>
+            <a:pPr algn="ctr"/>
+            <a:r>
+              <a:rPr lang="en-US" sz="2800" b="1" dirty="0" smtClean="0"/>
+              <a:t>Make magic</a:t>
+            </a:r>
+            <a:br>
+              <a:rPr lang="en-US" sz="2800" b="1" dirty="0" smtClean="0"/>
+            </a:br>
+            <a:r>
+              <a:rPr lang="en-US" sz="2800" b="1" dirty="0" smtClean="0"/>
+              <a:t>TOGETHER</a:t>
+            </a:r>
+            <a:endParaRPr lang="en-US" sz="2800" b="1" dirty="0"/>
           </a:p>
         </p:txBody>
       </p:sp>
@@ -6148,9 +6504,490 @@
   <p:timing>
     <p:tnLst>
       <p:par>
-        <p:cTn id="1" dur="indefinite" restart="never" nodeType="tmRoot"/>
+        <p:cTn xmlns:p14="http://schemas.microsoft.com/office/powerpoint/2010/main" id="1" dur="indefinite" restart="never" nodeType="tmRoot">
+          <p:childTnLst>
+            <p:seq concurrent="1" nextAc="seek">
+              <p:cTn id="2" dur="indefinite" nodeType="mainSeq">
+                <p:childTnLst>
+                  <p:par>
+                    <p:cTn id="3" fill="hold">
+                      <p:stCondLst>
+                        <p:cond delay="indefinite"/>
+                      </p:stCondLst>
+                      <p:childTnLst>
+                        <p:par>
+                          <p:cTn id="4" fill="hold">
+                            <p:stCondLst>
+                              <p:cond delay="0"/>
+                            </p:stCondLst>
+                            <p:childTnLst>
+                              <p:par>
+                                <p:cTn id="5" presetID="37" presetClass="entr" presetSubtype="0" fill="hold" nodeType="clickEffect">
+                                  <p:stCondLst>
+                                    <p:cond delay="0"/>
+                                  </p:stCondLst>
+                                  <p:childTnLst>
+                                    <p:set>
+                                      <p:cBhvr>
+                                        <p:cTn id="6" dur="1" fill="hold">
+                                          <p:stCondLst>
+                                            <p:cond delay="0"/>
+                                          </p:stCondLst>
+                                        </p:cTn>
+                                        <p:tgtEl>
+                                          <p:spTgt spid="10"/>
+                                        </p:tgtEl>
+                                        <p:attrNameLst>
+                                          <p:attrName>style.visibility</p:attrName>
+                                        </p:attrNameLst>
+                                      </p:cBhvr>
+                                      <p:to>
+                                        <p:strVal val="visible"/>
+                                      </p:to>
+                                    </p:set>
+                                    <p:animEffect transition="in" filter="fade">
+                                      <p:cBhvr>
+                                        <p:cTn id="7" dur="1000"/>
+                                        <p:tgtEl>
+                                          <p:spTgt spid="10"/>
+                                        </p:tgtEl>
+                                      </p:cBhvr>
+                                    </p:animEffect>
+                                    <p:anim calcmode="lin" valueType="num">
+                                      <p:cBhvr>
+                                        <p:cTn id="8" dur="1000" fill="hold"/>
+                                        <p:tgtEl>
+                                          <p:spTgt spid="10"/>
+                                        </p:tgtEl>
+                                        <p:attrNameLst>
+                                          <p:attrName>ppt_x</p:attrName>
+                                        </p:attrNameLst>
+                                      </p:cBhvr>
+                                      <p:tavLst>
+                                        <p:tav tm="0">
+                                          <p:val>
+                                            <p:strVal val="#ppt_x"/>
+                                          </p:val>
+                                        </p:tav>
+                                        <p:tav tm="100000">
+                                          <p:val>
+                                            <p:strVal val="#ppt_x"/>
+                                          </p:val>
+                                        </p:tav>
+                                      </p:tavLst>
+                                    </p:anim>
+                                    <p:anim calcmode="lin" valueType="num">
+                                      <p:cBhvr>
+                                        <p:cTn id="9" dur="900" decel="100000" fill="hold"/>
+                                        <p:tgtEl>
+                                          <p:spTgt spid="10"/>
+                                        </p:tgtEl>
+                                        <p:attrNameLst>
+                                          <p:attrName>ppt_y</p:attrName>
+                                        </p:attrNameLst>
+                                      </p:cBhvr>
+                                      <p:tavLst>
+                                        <p:tav tm="0">
+                                          <p:val>
+                                            <p:strVal val="#ppt_y+1"/>
+                                          </p:val>
+                                        </p:tav>
+                                        <p:tav tm="100000">
+                                          <p:val>
+                                            <p:strVal val="#ppt_y-.03"/>
+                                          </p:val>
+                                        </p:tav>
+                                      </p:tavLst>
+                                    </p:anim>
+                                    <p:anim calcmode="lin" valueType="num">
+                                      <p:cBhvr>
+                                        <p:cTn id="10" dur="100" accel="100000" fill="hold">
+                                          <p:stCondLst>
+                                            <p:cond delay="900"/>
+                                          </p:stCondLst>
+                                        </p:cTn>
+                                        <p:tgtEl>
+                                          <p:spTgt spid="10"/>
+                                        </p:tgtEl>
+                                        <p:attrNameLst>
+                                          <p:attrName>ppt_y</p:attrName>
+                                        </p:attrNameLst>
+                                      </p:cBhvr>
+                                      <p:tavLst>
+                                        <p:tav tm="0">
+                                          <p:val>
+                                            <p:strVal val="#ppt_y-.03"/>
+                                          </p:val>
+                                        </p:tav>
+                                        <p:tav tm="100000">
+                                          <p:val>
+                                            <p:strVal val="#ppt_y"/>
+                                          </p:val>
+                                        </p:tav>
+                                      </p:tavLst>
+                                    </p:anim>
+                                  </p:childTnLst>
+                                </p:cTn>
+                              </p:par>
+                              <p:par>
+                                <p:cTn id="11" presetID="37" presetClass="entr" presetSubtype="0" fill="hold" nodeType="withEffect">
+                                  <p:stCondLst>
+                                    <p:cond delay="0"/>
+                                  </p:stCondLst>
+                                  <p:childTnLst>
+                                    <p:set>
+                                      <p:cBhvr>
+                                        <p:cTn id="12" dur="1" fill="hold">
+                                          <p:stCondLst>
+                                            <p:cond delay="0"/>
+                                          </p:stCondLst>
+                                        </p:cTn>
+                                        <p:tgtEl>
+                                          <p:spTgt spid="8"/>
+                                        </p:tgtEl>
+                                        <p:attrNameLst>
+                                          <p:attrName>style.visibility</p:attrName>
+                                        </p:attrNameLst>
+                                      </p:cBhvr>
+                                      <p:to>
+                                        <p:strVal val="visible"/>
+                                      </p:to>
+                                    </p:set>
+                                    <p:animEffect transition="in" filter="fade">
+                                      <p:cBhvr>
+                                        <p:cTn id="13" dur="1000"/>
+                                        <p:tgtEl>
+                                          <p:spTgt spid="8"/>
+                                        </p:tgtEl>
+                                      </p:cBhvr>
+                                    </p:animEffect>
+                                    <p:anim calcmode="lin" valueType="num">
+                                      <p:cBhvr>
+                                        <p:cTn id="14" dur="1000" fill="hold"/>
+                                        <p:tgtEl>
+                                          <p:spTgt spid="8"/>
+                                        </p:tgtEl>
+                                        <p:attrNameLst>
+                                          <p:attrName>ppt_x</p:attrName>
+                                        </p:attrNameLst>
+                                      </p:cBhvr>
+                                      <p:tavLst>
+                                        <p:tav tm="0">
+                                          <p:val>
+                                            <p:strVal val="#ppt_x"/>
+                                          </p:val>
+                                        </p:tav>
+                                        <p:tav tm="100000">
+                                          <p:val>
+                                            <p:strVal val="#ppt_x"/>
+                                          </p:val>
+                                        </p:tav>
+                                      </p:tavLst>
+                                    </p:anim>
+                                    <p:anim calcmode="lin" valueType="num">
+                                      <p:cBhvr>
+                                        <p:cTn id="15" dur="900" decel="100000" fill="hold"/>
+                                        <p:tgtEl>
+                                          <p:spTgt spid="8"/>
+                                        </p:tgtEl>
+                                        <p:attrNameLst>
+                                          <p:attrName>ppt_y</p:attrName>
+                                        </p:attrNameLst>
+                                      </p:cBhvr>
+                                      <p:tavLst>
+                                        <p:tav tm="0">
+                                          <p:val>
+                                            <p:strVal val="#ppt_y+1"/>
+                                          </p:val>
+                                        </p:tav>
+                                        <p:tav tm="100000">
+                                          <p:val>
+                                            <p:strVal val="#ppt_y-.03"/>
+                                          </p:val>
+                                        </p:tav>
+                                      </p:tavLst>
+                                    </p:anim>
+                                    <p:anim calcmode="lin" valueType="num">
+                                      <p:cBhvr>
+                                        <p:cTn id="16" dur="100" accel="100000" fill="hold">
+                                          <p:stCondLst>
+                                            <p:cond delay="900"/>
+                                          </p:stCondLst>
+                                        </p:cTn>
+                                        <p:tgtEl>
+                                          <p:spTgt spid="8"/>
+                                        </p:tgtEl>
+                                        <p:attrNameLst>
+                                          <p:attrName>ppt_y</p:attrName>
+                                        </p:attrNameLst>
+                                      </p:cBhvr>
+                                      <p:tavLst>
+                                        <p:tav tm="0">
+                                          <p:val>
+                                            <p:strVal val="#ppt_y-.03"/>
+                                          </p:val>
+                                        </p:tav>
+                                        <p:tav tm="100000">
+                                          <p:val>
+                                            <p:strVal val="#ppt_y"/>
+                                          </p:val>
+                                        </p:tav>
+                                      </p:tavLst>
+                                    </p:anim>
+                                  </p:childTnLst>
+                                </p:cTn>
+                              </p:par>
+                              <p:par>
+                                <p:cTn id="17" presetID="37" presetClass="entr" presetSubtype="0" fill="hold" nodeType="withEffect">
+                                  <p:stCondLst>
+                                    <p:cond delay="0"/>
+                                  </p:stCondLst>
+                                  <p:childTnLst>
+                                    <p:set>
+                                      <p:cBhvr>
+                                        <p:cTn id="18" dur="1" fill="hold">
+                                          <p:stCondLst>
+                                            <p:cond delay="0"/>
+                                          </p:stCondLst>
+                                        </p:cTn>
+                                        <p:tgtEl>
+                                          <p:spTgt spid="9"/>
+                                        </p:tgtEl>
+                                        <p:attrNameLst>
+                                          <p:attrName>style.visibility</p:attrName>
+                                        </p:attrNameLst>
+                                      </p:cBhvr>
+                                      <p:to>
+                                        <p:strVal val="visible"/>
+                                      </p:to>
+                                    </p:set>
+                                    <p:animEffect transition="in" filter="fade">
+                                      <p:cBhvr>
+                                        <p:cTn id="19" dur="1000"/>
+                                        <p:tgtEl>
+                                          <p:spTgt spid="9"/>
+                                        </p:tgtEl>
+                                      </p:cBhvr>
+                                    </p:animEffect>
+                                    <p:anim calcmode="lin" valueType="num">
+                                      <p:cBhvr>
+                                        <p:cTn id="20" dur="1000" fill="hold"/>
+                                        <p:tgtEl>
+                                          <p:spTgt spid="9"/>
+                                        </p:tgtEl>
+                                        <p:attrNameLst>
+                                          <p:attrName>ppt_x</p:attrName>
+                                        </p:attrNameLst>
+                                      </p:cBhvr>
+                                      <p:tavLst>
+                                        <p:tav tm="0">
+                                          <p:val>
+                                            <p:strVal val="#ppt_x"/>
+                                          </p:val>
+                                        </p:tav>
+                                        <p:tav tm="100000">
+                                          <p:val>
+                                            <p:strVal val="#ppt_x"/>
+                                          </p:val>
+                                        </p:tav>
+                                      </p:tavLst>
+                                    </p:anim>
+                                    <p:anim calcmode="lin" valueType="num">
+                                      <p:cBhvr>
+                                        <p:cTn id="21" dur="900" decel="100000" fill="hold"/>
+                                        <p:tgtEl>
+                                          <p:spTgt spid="9"/>
+                                        </p:tgtEl>
+                                        <p:attrNameLst>
+                                          <p:attrName>ppt_y</p:attrName>
+                                        </p:attrNameLst>
+                                      </p:cBhvr>
+                                      <p:tavLst>
+                                        <p:tav tm="0">
+                                          <p:val>
+                                            <p:strVal val="#ppt_y+1"/>
+                                          </p:val>
+                                        </p:tav>
+                                        <p:tav tm="100000">
+                                          <p:val>
+                                            <p:strVal val="#ppt_y-.03"/>
+                                          </p:val>
+                                        </p:tav>
+                                      </p:tavLst>
+                                    </p:anim>
+                                    <p:anim calcmode="lin" valueType="num">
+                                      <p:cBhvr>
+                                        <p:cTn id="22" dur="100" accel="100000" fill="hold">
+                                          <p:stCondLst>
+                                            <p:cond delay="900"/>
+                                          </p:stCondLst>
+                                        </p:cTn>
+                                        <p:tgtEl>
+                                          <p:spTgt spid="9"/>
+                                        </p:tgtEl>
+                                        <p:attrNameLst>
+                                          <p:attrName>ppt_y</p:attrName>
+                                        </p:attrNameLst>
+                                      </p:cBhvr>
+                                      <p:tavLst>
+                                        <p:tav tm="0">
+                                          <p:val>
+                                            <p:strVal val="#ppt_y-.03"/>
+                                          </p:val>
+                                        </p:tav>
+                                        <p:tav tm="100000">
+                                          <p:val>
+                                            <p:strVal val="#ppt_y"/>
+                                          </p:val>
+                                        </p:tav>
+                                      </p:tavLst>
+                                    </p:anim>
+                                  </p:childTnLst>
+                                </p:cTn>
+                              </p:par>
+                            </p:childTnLst>
+                          </p:cTn>
+                        </p:par>
+                        <p:par>
+                          <p:cTn id="23" fill="hold">
+                            <p:stCondLst>
+                              <p:cond delay="1000"/>
+                            </p:stCondLst>
+                            <p:childTnLst>
+                              <p:par>
+                                <p:cTn id="24" presetID="49" presetClass="entr" presetSubtype="0" decel="100000" fill="hold" grpId="0" nodeType="afterEffect">
+                                  <p:stCondLst>
+                                    <p:cond delay="0"/>
+                                  </p:stCondLst>
+                                  <p:childTnLst>
+                                    <p:set>
+                                      <p:cBhvr>
+                                        <p:cTn id="25" dur="1" fill="hold">
+                                          <p:stCondLst>
+                                            <p:cond delay="0"/>
+                                          </p:stCondLst>
+                                        </p:cTn>
+                                        <p:tgtEl>
+                                          <p:spTgt spid="11"/>
+                                        </p:tgtEl>
+                                        <p:attrNameLst>
+                                          <p:attrName>style.visibility</p:attrName>
+                                        </p:attrNameLst>
+                                      </p:cBhvr>
+                                      <p:to>
+                                        <p:strVal val="visible"/>
+                                      </p:to>
+                                    </p:set>
+                                    <p:anim calcmode="lin" valueType="num">
+                                      <p:cBhvr>
+                                        <p:cTn id="26" dur="500" fill="hold"/>
+                                        <p:tgtEl>
+                                          <p:spTgt spid="11"/>
+                                        </p:tgtEl>
+                                        <p:attrNameLst>
+                                          <p:attrName>ppt_w</p:attrName>
+                                        </p:attrNameLst>
+                                      </p:cBhvr>
+                                      <p:tavLst>
+                                        <p:tav tm="0">
+                                          <p:val>
+                                            <p:fltVal val="0"/>
+                                          </p:val>
+                                        </p:tav>
+                                        <p:tav tm="100000">
+                                          <p:val>
+                                            <p:strVal val="#ppt_w"/>
+                                          </p:val>
+                                        </p:tav>
+                                      </p:tavLst>
+                                    </p:anim>
+                                    <p:anim calcmode="lin" valueType="num">
+                                      <p:cBhvr>
+                                        <p:cTn id="27" dur="500" fill="hold"/>
+                                        <p:tgtEl>
+                                          <p:spTgt spid="11"/>
+                                        </p:tgtEl>
+                                        <p:attrNameLst>
+                                          <p:attrName>ppt_h</p:attrName>
+                                        </p:attrNameLst>
+                                      </p:cBhvr>
+                                      <p:tavLst>
+                                        <p:tav tm="0">
+                                          <p:val>
+                                            <p:fltVal val="0"/>
+                                          </p:val>
+                                        </p:tav>
+                                        <p:tav tm="100000">
+                                          <p:val>
+                                            <p:strVal val="#ppt_h"/>
+                                          </p:val>
+                                        </p:tav>
+                                      </p:tavLst>
+                                    </p:anim>
+                                    <p:anim calcmode="lin" valueType="num">
+                                      <p:cBhvr>
+                                        <p:cTn id="28" dur="500" fill="hold"/>
+                                        <p:tgtEl>
+                                          <p:spTgt spid="11"/>
+                                        </p:tgtEl>
+                                        <p:attrNameLst>
+                                          <p:attrName>style.rotation</p:attrName>
+                                        </p:attrNameLst>
+                                      </p:cBhvr>
+                                      <p:tavLst>
+                                        <p:tav tm="0">
+                                          <p:val>
+                                            <p:fltVal val="360"/>
+                                          </p:val>
+                                        </p:tav>
+                                        <p:tav tm="100000">
+                                          <p:val>
+                                            <p:fltVal val="0"/>
+                                          </p:val>
+                                        </p:tav>
+                                      </p:tavLst>
+                                    </p:anim>
+                                    <p:animEffect transition="in" filter="fade">
+                                      <p:cBhvr>
+                                        <p:cTn id="29" dur="500"/>
+                                        <p:tgtEl>
+                                          <p:spTgt spid="11"/>
+                                        </p:tgtEl>
+                                      </p:cBhvr>
+                                    </p:animEffect>
+                                  </p:childTnLst>
+                                </p:cTn>
+                              </p:par>
+                            </p:childTnLst>
+                          </p:cTn>
+                        </p:par>
+                      </p:childTnLst>
+                    </p:cTn>
+                  </p:par>
+                </p:childTnLst>
+              </p:cTn>
+              <p:prevCondLst>
+                <p:cond evt="onPrev" delay="0">
+                  <p:tgtEl>
+                    <p:sldTgt/>
+                  </p:tgtEl>
+                </p:cond>
+              </p:prevCondLst>
+              <p:nextCondLst>
+                <p:cond evt="onNext" delay="0">
+                  <p:tgtEl>
+                    <p:sldTgt/>
+                  </p:tgtEl>
+                </p:cond>
+              </p:nextCondLst>
+            </p:seq>
+          </p:childTnLst>
+        </p:cTn>
       </p:par>
     </p:tnLst>
+    <p:bldLst>
+      <p:bldP spid="11" grpId="0" animBg="1"/>
+    </p:bldLst>
   </p:timing>
 </p:sld>
 </file>
@@ -6174,6 +7011,67 @@
       </p:grpSpPr>
       <p:sp>
         <p:nvSpPr>
+          <p:cNvPr id="15" name="Isosceles Triangle 14"/>
+          <p:cNvSpPr/>
+          <p:nvPr/>
+        </p:nvSpPr>
+        <p:spPr>
+          <a:xfrm>
+            <a:off x="1938421" y="2473158"/>
+            <a:ext cx="8315158" cy="2098842"/>
+          </a:xfrm>
+          <a:prstGeom prst="triangle">
+            <a:avLst/>
+          </a:prstGeom>
+          <a:gradFill flip="none" rotWithShape="1">
+            <a:gsLst>
+              <a:gs pos="0">
+                <a:schemeClr val="accent1">
+                  <a:lumMod val="40000"/>
+                  <a:lumOff val="60000"/>
+                </a:schemeClr>
+              </a:gs>
+              <a:gs pos="84000">
+                <a:schemeClr val="accent1">
+                  <a:lumMod val="50000"/>
+                </a:schemeClr>
+              </a:gs>
+              <a:gs pos="41000">
+                <a:schemeClr val="accent1"/>
+              </a:gs>
+            </a:gsLst>
+            <a:lin ang="16200000" scaled="0"/>
+            <a:tileRect/>
+          </a:gradFill>
+          <a:ln>
+            <a:noFill/>
+          </a:ln>
+        </p:spPr>
+        <p:style>
+          <a:lnRef idx="1">
+            <a:schemeClr val="accent1"/>
+          </a:lnRef>
+          <a:fillRef idx="3">
+            <a:schemeClr val="accent1"/>
+          </a:fillRef>
+          <a:effectRef idx="2">
+            <a:schemeClr val="accent1"/>
+          </a:effectRef>
+          <a:fontRef idx="minor">
+            <a:schemeClr val="lt1"/>
+          </a:fontRef>
+        </p:style>
+        <p:txBody>
+          <a:bodyPr rtlCol="0" anchor="ctr"/>
+          <a:lstStyle/>
+          <a:p>
+            <a:pPr algn="ctr"/>
+            <a:endParaRPr lang="en-US"/>
+          </a:p>
+        </p:txBody>
+      </p:sp>
+      <p:sp>
+        <p:nvSpPr>
           <p:cNvPr id="2" name="Title 1"/>
           <p:cNvSpPr>
             <a:spLocks noGrp="1"/>
@@ -6189,7 +7087,7 @@
           <a:p>
             <a:r>
               <a:rPr lang="en-US" dirty="0" smtClean="0"/>
-              <a:t>Why Fireworks?</a:t>
+              <a:t>Making it work</a:t>
             </a:r>
             <a:endParaRPr lang="en-US" dirty="0"/>
           </a:p>
@@ -6197,33 +7095,208 @@
       </p:sp>
       <p:sp>
         <p:nvSpPr>
-          <p:cNvPr id="3" name="Content Placeholder 2"/>
-          <p:cNvSpPr>
-            <a:spLocks noGrp="1"/>
-          </p:cNvSpPr>
-          <p:nvPr>
-            <p:ph idx="1"/>
-          </p:nvPr>
-        </p:nvSpPr>
-        <p:spPr/>
-        <p:txBody>
-          <a:bodyPr/>
+          <p:cNvPr id="8" name="Rectangle 7"/>
+          <p:cNvSpPr/>
+          <p:nvPr/>
+        </p:nvSpPr>
+        <p:spPr>
+          <a:xfrm>
+            <a:off x="1697790" y="5939940"/>
+            <a:ext cx="2753895" cy="369332"/>
+          </a:xfrm>
+          <a:prstGeom prst="rect">
+            <a:avLst/>
+          </a:prstGeom>
+        </p:spPr>
+        <p:txBody>
+          <a:bodyPr wrap="square">
+            <a:spAutoFit/>
+          </a:bodyPr>
           <a:lstStyle/>
           <a:p>
+            <a:pPr algn="ctr"/>
             <a:r>
               <a:rPr lang="en-US" dirty="0" smtClean="0"/>
-              <a:t>When people dive into a destitute state, often it is because they lack that candle in their heart that drives them to a brighter future.</a:t>
-            </a:r>
-          </a:p>
-          <a:p>
+              <a:t>Move to keep the beat</a:t>
+            </a:r>
+            <a:endParaRPr lang="en-US" dirty="0"/>
+          </a:p>
+        </p:txBody>
+      </p:sp>
+      <p:sp>
+        <p:nvSpPr>
+          <p:cNvPr id="9" name="Rectangle 8"/>
+          <p:cNvSpPr/>
+          <p:nvPr/>
+        </p:nvSpPr>
+        <p:spPr>
+          <a:xfrm>
+            <a:off x="7732295" y="5931918"/>
+            <a:ext cx="2753895" cy="369332"/>
+          </a:xfrm>
+          <a:prstGeom prst="rect">
+            <a:avLst/>
+          </a:prstGeom>
+        </p:spPr>
+        <p:txBody>
+          <a:bodyPr wrap="square">
+            <a:spAutoFit/>
+          </a:bodyPr>
+          <a:lstStyle/>
+          <a:p>
+            <a:pPr algn="ctr"/>
             <a:r>
               <a:rPr lang="en-US" dirty="0" smtClean="0"/>
-              <a:t>We show fireworks to kindle within them this lasting, sensational experience of vibrant particles of fire exploding from one’s inner depths.</a:t>
+              <a:t>Come closer to get louder</a:t>
             </a:r>
             <a:endParaRPr lang="en-US" dirty="0"/>
           </a:p>
         </p:txBody>
       </p:sp>
+      <p:pic>
+        <p:nvPicPr>
+          <p:cNvPr id="6" name="Picture 5"/>
+          <p:cNvPicPr>
+            <a:picLocks noChangeAspect="1"/>
+          </p:cNvPicPr>
+          <p:nvPr/>
+        </p:nvPicPr>
+        <p:blipFill>
+          <a:blip r:embed="rId2" cstate="screen">
+            <a:extLst>
+              <a:ext uri="{28A0092B-C50C-407E-A947-70E740481C1C}">
+                <a14:useLocalDpi xmlns:a14="http://schemas.microsoft.com/office/drawing/2010/main"/>
+              </a:ext>
+            </a:extLst>
+          </a:blip>
+          <a:stretch>
+            <a:fillRect/>
+          </a:stretch>
+        </p:blipFill>
+        <p:spPr>
+          <a:xfrm>
+            <a:off x="1940426" y="3408947"/>
+            <a:ext cx="2279315" cy="2279315"/>
+          </a:xfrm>
+          <a:prstGeom prst="rect">
+            <a:avLst/>
+          </a:prstGeom>
+        </p:spPr>
+      </p:pic>
+      <p:grpSp>
+        <p:nvGrpSpPr>
+          <p:cNvPr id="12" name="Group 11"/>
+          <p:cNvGrpSpPr/>
+          <p:nvPr/>
+        </p:nvGrpSpPr>
+        <p:grpSpPr>
+          <a:xfrm>
+            <a:off x="7962898" y="3405604"/>
+            <a:ext cx="2288676" cy="2286000"/>
+            <a:chOff x="6857999" y="1136315"/>
+            <a:chExt cx="2288676" cy="2286000"/>
+          </a:xfrm>
+        </p:grpSpPr>
+        <p:sp>
+          <p:nvSpPr>
+            <p:cNvPr id="11" name="Rectangle 10"/>
+            <p:cNvSpPr>
+              <a:spLocks noChangeAspect="1"/>
+            </p:cNvSpPr>
+            <p:nvPr/>
+          </p:nvSpPr>
+          <p:spPr>
+            <a:xfrm>
+              <a:off x="6857999" y="1136315"/>
+              <a:ext cx="2286000" cy="2286000"/>
+            </a:xfrm>
+            <a:prstGeom prst="rect">
+              <a:avLst/>
+            </a:prstGeom>
+            <a:solidFill>
+              <a:schemeClr val="tx1"/>
+            </a:solidFill>
+            <a:ln>
+              <a:noFill/>
+            </a:ln>
+          </p:spPr>
+          <p:style>
+            <a:lnRef idx="1">
+              <a:schemeClr val="accent1"/>
+            </a:lnRef>
+            <a:fillRef idx="3">
+              <a:schemeClr val="accent1"/>
+            </a:fillRef>
+            <a:effectRef idx="2">
+              <a:schemeClr val="accent1"/>
+            </a:effectRef>
+            <a:fontRef idx="minor">
+              <a:schemeClr val="lt1"/>
+            </a:fontRef>
+          </p:style>
+          <p:txBody>
+            <a:bodyPr rtlCol="0" anchor="ctr"/>
+            <a:lstStyle/>
+            <a:p>
+              <a:pPr algn="ctr"/>
+              <a:endParaRPr lang="en-US"/>
+            </a:p>
+          </p:txBody>
+        </p:sp>
+        <p:pic>
+          <p:nvPicPr>
+            <p:cNvPr id="7" name="Picture 6"/>
+            <p:cNvPicPr>
+              <a:picLocks noChangeAspect="1"/>
+            </p:cNvPicPr>
+            <p:nvPr/>
+          </p:nvPicPr>
+          <p:blipFill>
+            <a:blip r:embed="rId3"/>
+            <a:stretch>
+              <a:fillRect/>
+            </a:stretch>
+          </p:blipFill>
+          <p:spPr>
+            <a:xfrm>
+              <a:off x="6860675" y="1570794"/>
+              <a:ext cx="2286000" cy="1619250"/>
+            </a:xfrm>
+            <a:prstGeom prst="rect">
+              <a:avLst/>
+            </a:prstGeom>
+          </p:spPr>
+        </p:pic>
+      </p:grpSp>
+      <p:pic>
+        <p:nvPicPr>
+          <p:cNvPr id="13" name="Picture 12" descr="kinect.png"/>
+          <p:cNvPicPr>
+            <a:picLocks noChangeAspect="1"/>
+          </p:cNvPicPr>
+          <p:nvPr/>
+        </p:nvPicPr>
+        <p:blipFill rotWithShape="1">
+          <a:blip r:embed="rId4" cstate="screen">
+            <a:extLst>
+              <a:ext uri="{28A0092B-C50C-407E-A947-70E740481C1C}">
+                <a14:useLocalDpi xmlns:a14="http://schemas.microsoft.com/office/drawing/2010/main"/>
+              </a:ext>
+            </a:extLst>
+          </a:blip>
+          <a:srcRect/>
+          <a:stretch/>
+        </p:blipFill>
+        <p:spPr>
+          <a:xfrm>
+            <a:off x="4038600" y="1858211"/>
+            <a:ext cx="4114800" cy="1371601"/>
+          </a:xfrm>
+          <a:prstGeom prst="rect">
+            <a:avLst/>
+          </a:prstGeom>
+        </p:spPr>
+      </p:pic>
     </p:spTree>
     <p:extLst>
       <p:ext uri="{BB962C8B-B14F-4D97-AF65-F5344CB8AC3E}">
@@ -6237,7 +7310,7 @@
   <p:timing>
     <p:tnLst>
       <p:par>
-        <p:cTn id="1" dur="indefinite" restart="never" nodeType="tmRoot"/>
+        <p:cTn xmlns:p14="http://schemas.microsoft.com/office/powerpoint/2010/main" id="1" dur="indefinite" restart="never" nodeType="tmRoot"/>
       </p:par>
     </p:tnLst>
   </p:timing>
@@ -6277,8 +7350,8 @@
           <a:lstStyle/>
           <a:p>
             <a:r>
-              <a:rPr lang="en-US" dirty="0" err="1" smtClean="0"/>
-              <a:t>DEmo</a:t>
+              <a:rPr lang="en-US" dirty="0" smtClean="0"/>
+              <a:t>Why Fireworks?</a:t>
             </a:r>
             <a:endParaRPr lang="en-US" dirty="0"/>
           </a:p>
@@ -6286,12 +7359,12 @@
       </p:sp>
       <p:sp>
         <p:nvSpPr>
-          <p:cNvPr id="4" name="Text Placeholder 3"/>
-          <p:cNvSpPr>
-            <a:spLocks noGrp="1"/>
-          </p:cNvSpPr>
-          <p:nvPr>
-            <p:ph type="body" idx="1"/>
+          <p:cNvPr id="3" name="Content Placeholder 2"/>
+          <p:cNvSpPr>
+            <a:spLocks noGrp="1"/>
+          </p:cNvSpPr>
+          <p:nvPr>
+            <p:ph sz="half" idx="1"/>
           </p:nvPr>
         </p:nvSpPr>
         <p:spPr/>
@@ -6299,14 +7372,266 @@
           <a:bodyPr/>
           <a:lstStyle/>
           <a:p>
-            <a:endParaRPr lang="en-US"/>
-          </a:p>
-        </p:txBody>
-      </p:sp>
+            <a:r>
+              <a:rPr lang="en-US" dirty="0" smtClean="0"/>
+              <a:t>When people dive into a destitute state, often it is because they lack that candle in their heart that drives them to a brighter future.</a:t>
+            </a:r>
+          </a:p>
+          <a:p>
+            <a:r>
+              <a:rPr lang="en-US" dirty="0" smtClean="0"/>
+              <a:t>We show fireworks to kindle within them this lasting, sensational experience of vibrant particles of fire exploding from one’s inner depths.</a:t>
+            </a:r>
+            <a:endParaRPr lang="en-US" dirty="0"/>
+          </a:p>
+        </p:txBody>
+      </p:sp>
+      <p:grpSp>
+        <p:nvGrpSpPr>
+          <p:cNvPr id="11" name="Group 10"/>
+          <p:cNvGrpSpPr>
+            <a:grpSpLocks noChangeAspect="1"/>
+          </p:cNvGrpSpPr>
+          <p:nvPr/>
+        </p:nvGrpSpPr>
+        <p:grpSpPr>
+          <a:xfrm>
+            <a:off x="6944893" y="4972050"/>
+            <a:ext cx="4050632" cy="1371600"/>
+            <a:chOff x="6372278" y="4370471"/>
+            <a:chExt cx="5400842" cy="1828800"/>
+          </a:xfrm>
+        </p:grpSpPr>
+        <p:pic>
+          <p:nvPicPr>
+            <p:cNvPr id="7" name="Picture 6" descr="ffYuxjvn9sA.jpg"/>
+            <p:cNvPicPr>
+              <a:picLocks noChangeAspect="1"/>
+            </p:cNvPicPr>
+            <p:nvPr/>
+          </p:nvPicPr>
+          <p:blipFill rotWithShape="1">
+            <a:blip r:embed="rId2" cstate="screen">
+              <a:extLst>
+                <a:ext uri="{28A0092B-C50C-407E-A947-70E740481C1C}">
+                  <a14:useLocalDpi xmlns:a14="http://schemas.microsoft.com/office/drawing/2010/main"/>
+                </a:ext>
+              </a:extLst>
+            </a:blip>
+            <a:srcRect/>
+            <a:stretch/>
+          </p:blipFill>
+          <p:spPr>
+            <a:xfrm>
+              <a:off x="6372278" y="4370471"/>
+              <a:ext cx="1818105" cy="1828800"/>
+            </a:xfrm>
+            <a:prstGeom prst="rect">
+              <a:avLst/>
+            </a:prstGeom>
+          </p:spPr>
+        </p:pic>
+        <p:pic>
+          <p:nvPicPr>
+            <p:cNvPr id="8" name="Picture 7" descr="gangnam-style-gif-pusheen-the-cat_thumb.gif"/>
+            <p:cNvPicPr>
+              <a:picLocks noChangeAspect="1"/>
+            </p:cNvPicPr>
+            <p:nvPr/>
+          </p:nvPicPr>
+          <p:blipFill>
+            <a:blip r:embed="rId3" cstate="screen">
+              <a:extLst>
+                <a:ext uri="{28A0092B-C50C-407E-A947-70E740481C1C}">
+                  <a14:useLocalDpi xmlns:a14="http://schemas.microsoft.com/office/drawing/2010/main"/>
+                </a:ext>
+              </a:extLst>
+            </a:blip>
+            <a:stretch>
+              <a:fillRect/>
+            </a:stretch>
+          </p:blipFill>
+          <p:spPr>
+            <a:xfrm>
+              <a:off x="9944320" y="4370471"/>
+              <a:ext cx="1828800" cy="1828800"/>
+            </a:xfrm>
+            <a:prstGeom prst="rect">
+              <a:avLst/>
+            </a:prstGeom>
+          </p:spPr>
+        </p:pic>
+        <p:pic>
+          <p:nvPicPr>
+            <p:cNvPr id="10" name="Picture 9" descr="tumblr_lvz4rnkgcm1qhy6c9o5_400.gif"/>
+            <p:cNvPicPr>
+              <a:picLocks noChangeAspect="1"/>
+            </p:cNvPicPr>
+            <p:nvPr/>
+          </p:nvPicPr>
+          <p:blipFill>
+            <a:blip r:embed="rId4" cstate="screen">
+              <a:extLst>
+                <a:ext uri="{28A0092B-C50C-407E-A947-70E740481C1C}">
+                  <a14:useLocalDpi xmlns:a14="http://schemas.microsoft.com/office/drawing/2010/main"/>
+                </a:ext>
+              </a:extLst>
+            </a:blip>
+            <a:stretch>
+              <a:fillRect/>
+            </a:stretch>
+          </p:blipFill>
+          <p:spPr>
+            <a:xfrm>
+              <a:off x="8154736" y="4370471"/>
+              <a:ext cx="1828800" cy="1828800"/>
+            </a:xfrm>
+            <a:prstGeom prst="rect">
+              <a:avLst/>
+            </a:prstGeom>
+          </p:spPr>
+        </p:pic>
+      </p:grpSp>
+      <p:pic>
+        <p:nvPicPr>
+          <p:cNvPr id="13" name="Picture 12" descr="Fireworks_2.png"/>
+          <p:cNvPicPr>
+            <a:picLocks noChangeAspect="1"/>
+          </p:cNvPicPr>
+          <p:nvPr/>
+        </p:nvPicPr>
+        <p:blipFill>
+          <a:blip r:embed="rId5" cstate="screen">
+            <a:extLst>
+              <a:ext uri="{28A0092B-C50C-407E-A947-70E740481C1C}">
+                <a14:useLocalDpi xmlns:a14="http://schemas.microsoft.com/office/drawing/2010/main"/>
+              </a:ext>
+            </a:extLst>
+          </a:blip>
+          <a:stretch>
+            <a:fillRect/>
+          </a:stretch>
+        </p:blipFill>
+        <p:spPr>
+          <a:xfrm>
+            <a:off x="7098630" y="2638301"/>
+            <a:ext cx="3736473" cy="2187705"/>
+          </a:xfrm>
+          <a:prstGeom prst="rect">
+            <a:avLst/>
+          </a:prstGeom>
+        </p:spPr>
+      </p:pic>
+      <p:cxnSp>
+        <p:nvCxnSpPr>
+          <p:cNvPr id="15" name="Curved Connector 14"/>
+          <p:cNvCxnSpPr>
+            <a:stCxn id="9" idx="1"/>
+            <a:endCxn id="13" idx="1"/>
+          </p:cNvCxnSpPr>
+          <p:nvPr/>
+        </p:nvCxnSpPr>
+        <p:spPr>
+          <a:xfrm rot="10800000" flipV="1">
+            <a:off x="7098631" y="1765968"/>
+            <a:ext cx="1172411" cy="1966186"/>
+          </a:xfrm>
+          <a:prstGeom prst="curvedConnector3">
+            <a:avLst>
+              <a:gd name="adj1" fmla="val 177651"/>
+            </a:avLst>
+          </a:prstGeom>
+          <a:ln w="57150" cmpd="sng">
+            <a:tailEnd type="arrow"/>
+          </a:ln>
+        </p:spPr>
+        <p:style>
+          <a:lnRef idx="2">
+            <a:schemeClr val="accent3"/>
+          </a:lnRef>
+          <a:fillRef idx="0">
+            <a:schemeClr val="accent3"/>
+          </a:fillRef>
+          <a:effectRef idx="1">
+            <a:schemeClr val="accent3"/>
+          </a:effectRef>
+          <a:fontRef idx="minor">
+            <a:schemeClr val="tx1"/>
+          </a:fontRef>
+        </p:style>
+      </p:cxnSp>
+      <p:cxnSp>
+        <p:nvCxnSpPr>
+          <p:cNvPr id="19" name="Curved Connector 18"/>
+          <p:cNvCxnSpPr>
+            <a:stCxn id="13" idx="3"/>
+            <a:endCxn id="8" idx="3"/>
+          </p:cNvCxnSpPr>
+          <p:nvPr/>
+        </p:nvCxnSpPr>
+        <p:spPr>
+          <a:xfrm>
+            <a:off x="10835103" y="3732154"/>
+            <a:ext cx="160422" cy="1925696"/>
+          </a:xfrm>
+          <a:prstGeom prst="curvedConnector3">
+            <a:avLst>
+              <a:gd name="adj1" fmla="val 609164"/>
+            </a:avLst>
+          </a:prstGeom>
+          <a:ln w="57150" cmpd="sng">
+            <a:tailEnd type="arrow"/>
+          </a:ln>
+        </p:spPr>
+        <p:style>
+          <a:lnRef idx="2">
+            <a:schemeClr val="accent3"/>
+          </a:lnRef>
+          <a:fillRef idx="0">
+            <a:schemeClr val="accent3"/>
+          </a:fillRef>
+          <a:effectRef idx="1">
+            <a:schemeClr val="accent3"/>
+          </a:effectRef>
+          <a:fontRef idx="minor">
+            <a:schemeClr val="tx1"/>
+          </a:fontRef>
+        </p:style>
+      </p:cxnSp>
+      <p:pic>
+        <p:nvPicPr>
+          <p:cNvPr id="9" name="Picture 8" descr="sad pusheen.png"/>
+          <p:cNvPicPr>
+            <a:picLocks noChangeAspect="1"/>
+          </p:cNvPicPr>
+          <p:nvPr/>
+        </p:nvPicPr>
+        <p:blipFill>
+          <a:blip r:embed="rId6" cstate="screen">
+            <a:extLst>
+              <a:ext uri="{28A0092B-C50C-407E-A947-70E740481C1C}">
+                <a14:useLocalDpi xmlns:a14="http://schemas.microsoft.com/office/drawing/2010/main"/>
+              </a:ext>
+            </a:extLst>
+          </a:blip>
+          <a:stretch>
+            <a:fillRect/>
+          </a:stretch>
+        </p:blipFill>
+        <p:spPr>
+          <a:xfrm>
+            <a:off x="8271041" y="1080168"/>
+            <a:ext cx="1371600" cy="1371600"/>
+          </a:xfrm>
+          <a:prstGeom prst="rect">
+            <a:avLst/>
+          </a:prstGeom>
+        </p:spPr>
+      </p:pic>
     </p:spTree>
     <p:extLst>
       <p:ext uri="{BB962C8B-B14F-4D97-AF65-F5344CB8AC3E}">
-        <p14:creationId xmlns:p14="http://schemas.microsoft.com/office/powerpoint/2010/main" val="3215765894"/>
+        <p14:creationId xmlns:p14="http://schemas.microsoft.com/office/powerpoint/2010/main" val="3052649064"/>
       </p:ext>
     </p:extLst>
   </p:cSld>
@@ -6316,7 +7641,327 @@
   <p:timing>
     <p:tnLst>
       <p:par>
-        <p:cTn id="1" dur="indefinite" restart="never" nodeType="tmRoot"/>
+        <p:cTn xmlns:p14="http://schemas.microsoft.com/office/powerpoint/2010/main" id="1" dur="indefinite" restart="never" nodeType="tmRoot">
+          <p:childTnLst>
+            <p:seq concurrent="1" nextAc="seek">
+              <p:cTn id="2" dur="indefinite" nodeType="mainSeq">
+                <p:childTnLst>
+                  <p:par>
+                    <p:cTn id="3" fill="hold">
+                      <p:stCondLst>
+                        <p:cond delay="indefinite"/>
+                      </p:stCondLst>
+                      <p:childTnLst>
+                        <p:par>
+                          <p:cTn id="4" fill="hold">
+                            <p:stCondLst>
+                              <p:cond delay="0"/>
+                            </p:stCondLst>
+                            <p:childTnLst>
+                              <p:par>
+                                <p:cTn id="5" presetID="10" presetClass="entr" presetSubtype="0" fill="hold" nodeType="clickEffect">
+                                  <p:stCondLst>
+                                    <p:cond delay="0"/>
+                                  </p:stCondLst>
+                                  <p:childTnLst>
+                                    <p:set>
+                                      <p:cBhvr>
+                                        <p:cTn id="6" dur="1" fill="hold">
+                                          <p:stCondLst>
+                                            <p:cond delay="0"/>
+                                          </p:stCondLst>
+                                        </p:cTn>
+                                        <p:tgtEl>
+                                          <p:spTgt spid="9"/>
+                                        </p:tgtEl>
+                                        <p:attrNameLst>
+                                          <p:attrName>style.visibility</p:attrName>
+                                        </p:attrNameLst>
+                                      </p:cBhvr>
+                                      <p:to>
+                                        <p:strVal val="visible"/>
+                                      </p:to>
+                                    </p:set>
+                                    <p:animEffect transition="in" filter="fade">
+                                      <p:cBhvr>
+                                        <p:cTn id="7" dur="1500"/>
+                                        <p:tgtEl>
+                                          <p:spTgt spid="9"/>
+                                        </p:tgtEl>
+                                      </p:cBhvr>
+                                    </p:animEffect>
+                                  </p:childTnLst>
+                                </p:cTn>
+                              </p:par>
+                            </p:childTnLst>
+                          </p:cTn>
+                        </p:par>
+                        <p:par>
+                          <p:cTn id="8" fill="hold">
+                            <p:stCondLst>
+                              <p:cond delay="1500"/>
+                            </p:stCondLst>
+                            <p:childTnLst>
+                              <p:par>
+                                <p:cTn id="9" presetID="10" presetClass="entr" presetSubtype="0" fill="hold" nodeType="afterEffect">
+                                  <p:stCondLst>
+                                    <p:cond delay="0"/>
+                                  </p:stCondLst>
+                                  <p:childTnLst>
+                                    <p:set>
+                                      <p:cBhvr>
+                                        <p:cTn id="10" dur="1" fill="hold">
+                                          <p:stCondLst>
+                                            <p:cond delay="0"/>
+                                          </p:stCondLst>
+                                        </p:cTn>
+                                        <p:tgtEl>
+                                          <p:spTgt spid="15"/>
+                                        </p:tgtEl>
+                                        <p:attrNameLst>
+                                          <p:attrName>style.visibility</p:attrName>
+                                        </p:attrNameLst>
+                                      </p:cBhvr>
+                                      <p:to>
+                                        <p:strVal val="visible"/>
+                                      </p:to>
+                                    </p:set>
+                                    <p:animEffect transition="in" filter="fade">
+                                      <p:cBhvr>
+                                        <p:cTn id="11" dur="500"/>
+                                        <p:tgtEl>
+                                          <p:spTgt spid="15"/>
+                                        </p:tgtEl>
+                                      </p:cBhvr>
+                                    </p:animEffect>
+                                  </p:childTnLst>
+                                </p:cTn>
+                              </p:par>
+                            </p:childTnLst>
+                          </p:cTn>
+                        </p:par>
+                        <p:par>
+                          <p:cTn id="12" fill="hold">
+                            <p:stCondLst>
+                              <p:cond delay="2000"/>
+                            </p:stCondLst>
+                            <p:childTnLst>
+                              <p:par>
+                                <p:cTn id="13" presetID="23" presetClass="entr" presetSubtype="16" fill="hold" nodeType="afterEffect">
+                                  <p:stCondLst>
+                                    <p:cond delay="0"/>
+                                  </p:stCondLst>
+                                  <p:childTnLst>
+                                    <p:set>
+                                      <p:cBhvr>
+                                        <p:cTn id="14" dur="1" fill="hold">
+                                          <p:stCondLst>
+                                            <p:cond delay="0"/>
+                                          </p:stCondLst>
+                                        </p:cTn>
+                                        <p:tgtEl>
+                                          <p:spTgt spid="13"/>
+                                        </p:tgtEl>
+                                        <p:attrNameLst>
+                                          <p:attrName>style.visibility</p:attrName>
+                                        </p:attrNameLst>
+                                      </p:cBhvr>
+                                      <p:to>
+                                        <p:strVal val="visible"/>
+                                      </p:to>
+                                    </p:set>
+                                    <p:anim calcmode="lin" valueType="num">
+                                      <p:cBhvr>
+                                        <p:cTn id="15" dur="300" fill="hold"/>
+                                        <p:tgtEl>
+                                          <p:spTgt spid="13"/>
+                                        </p:tgtEl>
+                                        <p:attrNameLst>
+                                          <p:attrName>ppt_w</p:attrName>
+                                        </p:attrNameLst>
+                                      </p:cBhvr>
+                                      <p:tavLst>
+                                        <p:tav tm="0">
+                                          <p:val>
+                                            <p:fltVal val="0"/>
+                                          </p:val>
+                                        </p:tav>
+                                        <p:tav tm="100000">
+                                          <p:val>
+                                            <p:strVal val="#ppt_w"/>
+                                          </p:val>
+                                        </p:tav>
+                                      </p:tavLst>
+                                    </p:anim>
+                                    <p:anim calcmode="lin" valueType="num">
+                                      <p:cBhvr>
+                                        <p:cTn id="16" dur="300" fill="hold"/>
+                                        <p:tgtEl>
+                                          <p:spTgt spid="13"/>
+                                        </p:tgtEl>
+                                        <p:attrNameLst>
+                                          <p:attrName>ppt_h</p:attrName>
+                                        </p:attrNameLst>
+                                      </p:cBhvr>
+                                      <p:tavLst>
+                                        <p:tav tm="0">
+                                          <p:val>
+                                            <p:fltVal val="0"/>
+                                          </p:val>
+                                        </p:tav>
+                                        <p:tav tm="100000">
+                                          <p:val>
+                                            <p:strVal val="#ppt_h"/>
+                                          </p:val>
+                                        </p:tav>
+                                      </p:tavLst>
+                                    </p:anim>
+                                  </p:childTnLst>
+                                </p:cTn>
+                              </p:par>
+                            </p:childTnLst>
+                          </p:cTn>
+                        </p:par>
+                        <p:par>
+                          <p:cTn id="17" fill="hold">
+                            <p:stCondLst>
+                              <p:cond delay="2300"/>
+                            </p:stCondLst>
+                            <p:childTnLst>
+                              <p:par>
+                                <p:cTn id="18" presetID="10" presetClass="entr" presetSubtype="0" fill="hold" nodeType="afterEffect">
+                                  <p:stCondLst>
+                                    <p:cond delay="0"/>
+                                  </p:stCondLst>
+                                  <p:childTnLst>
+                                    <p:set>
+                                      <p:cBhvr>
+                                        <p:cTn id="19" dur="1" fill="hold">
+                                          <p:stCondLst>
+                                            <p:cond delay="0"/>
+                                          </p:stCondLst>
+                                        </p:cTn>
+                                        <p:tgtEl>
+                                          <p:spTgt spid="19"/>
+                                        </p:tgtEl>
+                                        <p:attrNameLst>
+                                          <p:attrName>style.visibility</p:attrName>
+                                        </p:attrNameLst>
+                                      </p:cBhvr>
+                                      <p:to>
+                                        <p:strVal val="visible"/>
+                                      </p:to>
+                                    </p:set>
+                                    <p:animEffect transition="in" filter="fade">
+                                      <p:cBhvr>
+                                        <p:cTn id="20" dur="500"/>
+                                        <p:tgtEl>
+                                          <p:spTgt spid="19"/>
+                                        </p:tgtEl>
+                                      </p:cBhvr>
+                                    </p:animEffect>
+                                  </p:childTnLst>
+                                </p:cTn>
+                              </p:par>
+                            </p:childTnLst>
+                          </p:cTn>
+                        </p:par>
+                        <p:par>
+                          <p:cTn id="21" fill="hold">
+                            <p:stCondLst>
+                              <p:cond delay="2800"/>
+                            </p:stCondLst>
+                            <p:childTnLst>
+                              <p:par>
+                                <p:cTn id="22" presetID="52" presetClass="entr" presetSubtype="0" fill="hold" nodeType="afterEffect">
+                                  <p:stCondLst>
+                                    <p:cond delay="0"/>
+                                  </p:stCondLst>
+                                  <p:childTnLst>
+                                    <p:set>
+                                      <p:cBhvr>
+                                        <p:cTn id="23" dur="1" fill="hold">
+                                          <p:stCondLst>
+                                            <p:cond delay="0"/>
+                                          </p:stCondLst>
+                                        </p:cTn>
+                                        <p:tgtEl>
+                                          <p:spTgt spid="11"/>
+                                        </p:tgtEl>
+                                        <p:attrNameLst>
+                                          <p:attrName>style.visibility</p:attrName>
+                                        </p:attrNameLst>
+                                      </p:cBhvr>
+                                      <p:to>
+                                        <p:strVal val="visible"/>
+                                      </p:to>
+                                    </p:set>
+                                    <p:animScale>
+                                      <p:cBhvr>
+                                        <p:cTn id="24" dur="1000" decel="50000" fill="hold">
+                                          <p:stCondLst>
+                                            <p:cond delay="0"/>
+                                          </p:stCondLst>
+                                        </p:cTn>
+                                        <p:tgtEl>
+                                          <p:spTgt spid="11"/>
+                                        </p:tgtEl>
+                                      </p:cBhvr>
+                                      <p:from x="250000" y="250000"/>
+                                      <p:to x="100000" y="100000"/>
+                                    </p:animScale>
+                                    <p:animMotion origin="layout" path="M -0.46736 0.92887  C -0.37517 0.88508  -0.02552 0.75279  0.0908 0.66613  C  0.20747 0.57948  0.21649 0.50394  0.23177 0.40825  C 0.24705 0.31256  0.22118 0.15964   0.18264 0.09152  C 0.1441 0.02341  0.03802 0.0  0.0 0.0  " pathEditMode="relative" ptsTypes="">
+                                      <p:cBhvr>
+                                        <p:cTn id="25" dur="1000" decel="50000" fill="hold">
+                                          <p:stCondLst>
+                                            <p:cond delay="0"/>
+                                          </p:stCondLst>
+                                        </p:cTn>
+                                        <p:tgtEl>
+                                          <p:spTgt spid="11"/>
+                                        </p:tgtEl>
+                                        <p:attrNameLst>
+                                          <p:attrName>ppt_x</p:attrName>
+                                          <p:attrName>ppt_y</p:attrName>
+                                        </p:attrNameLst>
+                                      </p:cBhvr>
+                                    </p:animMotion>
+                                    <p:animEffect transition="in" filter="fade">
+                                      <p:cBhvr>
+                                        <p:cTn id="26" dur="1000"/>
+                                        <p:tgtEl>
+                                          <p:spTgt spid="11"/>
+                                        </p:tgtEl>
+                                      </p:cBhvr>
+                                    </p:animEffect>
+                                  </p:childTnLst>
+                                </p:cTn>
+                              </p:par>
+                            </p:childTnLst>
+                          </p:cTn>
+                        </p:par>
+                      </p:childTnLst>
+                    </p:cTn>
+                  </p:par>
+                </p:childTnLst>
+              </p:cTn>
+              <p:prevCondLst>
+                <p:cond evt="onPrev" delay="0">
+                  <p:tgtEl>
+                    <p:sldTgt/>
+                  </p:tgtEl>
+                </p:cond>
+              </p:prevCondLst>
+              <p:nextCondLst>
+                <p:cond evt="onNext" delay="0">
+                  <p:tgtEl>
+                    <p:sldTgt/>
+                  </p:tgtEl>
+                </p:cond>
+              </p:nextCondLst>
+            </p:seq>
+          </p:childTnLst>
+        </p:cTn>
       </p:par>
     </p:tnLst>
   </p:timing>
@@ -6342,7 +7987,7 @@
       </p:grpSpPr>
       <p:sp>
         <p:nvSpPr>
-          <p:cNvPr id="4" name="Title 3"/>
+          <p:cNvPr id="2" name="Title 1"/>
           <p:cNvSpPr>
             <a:spLocks noGrp="1"/>
           </p:cNvSpPr>
@@ -6357,7 +8002,11 @@
           <a:p>
             <a:r>
               <a:rPr lang="en-US" dirty="0" smtClean="0"/>
-              <a:t>Future Work</a:t>
+              <a:t>Party </a:t>
+            </a:r>
+            <a:r>
+              <a:rPr lang="en-US" dirty="0" err="1" smtClean="0"/>
+              <a:t>DEmo</a:t>
             </a:r>
             <a:endParaRPr lang="en-US" dirty="0"/>
           </a:p>
@@ -6365,12 +8014,12 @@
       </p:sp>
       <p:sp>
         <p:nvSpPr>
-          <p:cNvPr id="5" name="Content Placeholder 4"/>
-          <p:cNvSpPr>
-            <a:spLocks noGrp="1"/>
-          </p:cNvSpPr>
-          <p:nvPr>
-            <p:ph idx="1"/>
+          <p:cNvPr id="4" name="Text Placeholder 3"/>
+          <p:cNvSpPr>
+            <a:spLocks noGrp="1"/>
+          </p:cNvSpPr>
+          <p:nvPr>
+            <p:ph type="body" idx="1"/>
           </p:nvPr>
         </p:nvSpPr>
         <p:spPr/>
@@ -6378,19 +8027,133 @@
           <a:bodyPr/>
           <a:lstStyle/>
           <a:p>
+            <a:endParaRPr lang="en-US"/>
+          </a:p>
+        </p:txBody>
+      </p:sp>
+    </p:spTree>
+    <p:extLst>
+      <p:ext uri="{BB962C8B-B14F-4D97-AF65-F5344CB8AC3E}">
+        <p14:creationId xmlns:p14="http://schemas.microsoft.com/office/powerpoint/2010/main" val="3215765894"/>
+      </p:ext>
+    </p:extLst>
+  </p:cSld>
+  <p:clrMapOvr>
+    <a:masterClrMapping/>
+  </p:clrMapOvr>
+  <p:timing>
+    <p:tnLst>
+      <p:par>
+        <p:cTn xmlns:p14="http://schemas.microsoft.com/office/powerpoint/2010/main" id="1" dur="indefinite" restart="never" nodeType="tmRoot"/>
+      </p:par>
+    </p:tnLst>
+  </p:timing>
+</p:sld>
+</file>
+
+<file path=ppt/slides/slide7.xml><?xml version="1.0" encoding="utf-8"?>
+<p:sld xmlns:a="http://schemas.openxmlformats.org/drawingml/2006/main" xmlns:r="http://schemas.openxmlformats.org/officeDocument/2006/relationships" xmlns:p="http://schemas.openxmlformats.org/presentationml/2006/main">
+  <p:cSld>
+    <p:spTree>
+      <p:nvGrpSpPr>
+        <p:cNvPr id="1" name=""/>
+        <p:cNvGrpSpPr/>
+        <p:nvPr/>
+      </p:nvGrpSpPr>
+      <p:grpSpPr>
+        <a:xfrm>
+          <a:off x="0" y="0"/>
+          <a:ext cx="0" cy="0"/>
+          <a:chOff x="0" y="0"/>
+          <a:chExt cx="0" cy="0"/>
+        </a:xfrm>
+      </p:grpSpPr>
+      <p:sp>
+        <p:nvSpPr>
+          <p:cNvPr id="4" name="Title 3"/>
+          <p:cNvSpPr>
+            <a:spLocks noGrp="1"/>
+          </p:cNvSpPr>
+          <p:nvPr>
+            <p:ph type="title"/>
+          </p:nvPr>
+        </p:nvSpPr>
+        <p:spPr/>
+        <p:txBody>
+          <a:bodyPr/>
+          <a:lstStyle/>
+          <a:p>
             <a:r>
               <a:rPr lang="en-US" dirty="0" smtClean="0"/>
-              <a:t>We hope to install this system at key intersections where there exist popular drug businesses</a:t>
-            </a:r>
-          </a:p>
-          <a:p>
-            <a:r>
-              <a:rPr lang="en-US" dirty="0" smtClean="0"/>
-              <a:t>Drug/alcohol store people will complain that we’re diverting business, but we won’t care</a:t>
-            </a:r>
-          </a:p>
-          <a:p>
+              <a:t>Future Work</a:t>
+            </a:r>
             <a:endParaRPr lang="en-US" dirty="0"/>
+          </a:p>
+        </p:txBody>
+      </p:sp>
+      <p:sp>
+        <p:nvSpPr>
+          <p:cNvPr id="5" name="Content Placeholder 4"/>
+          <p:cNvSpPr>
+            <a:spLocks noGrp="1"/>
+          </p:cNvSpPr>
+          <p:nvPr>
+            <p:ph idx="1"/>
+          </p:nvPr>
+        </p:nvSpPr>
+        <p:spPr>
+          <a:xfrm>
+            <a:off x="1030288" y="2142067"/>
+            <a:ext cx="10131425" cy="3649133"/>
+          </a:xfrm>
+        </p:spPr>
+        <p:txBody>
+          <a:bodyPr>
+            <a:normAutofit/>
+          </a:bodyPr>
+          <a:lstStyle/>
+          <a:p>
+            <a:pPr marL="0" indent="0" algn="ctr">
+              <a:buNone/>
+            </a:pPr>
+            <a:r>
+              <a:rPr lang="en-US" sz="7200" b="1" dirty="0" smtClean="0"/>
+              <a:t>WORLD DOMINATION</a:t>
+            </a:r>
+          </a:p>
+          <a:p>
+            <a:pPr marL="0" indent="0" algn="ctr">
+              <a:buNone/>
+            </a:pPr>
+            <a:endParaRPr lang="en-US" sz="2800" b="1" dirty="0"/>
+          </a:p>
+          <a:p>
+            <a:pPr marL="0" indent="0" algn="ctr">
+              <a:buNone/>
+            </a:pPr>
+            <a:r>
+              <a:rPr lang="en-US" sz="2800" dirty="0" smtClean="0"/>
+              <a:t>Install The Down Beat in every appropriate venue…</a:t>
+            </a:r>
+          </a:p>
+          <a:p>
+            <a:pPr marL="0" indent="0" algn="ctr">
+              <a:buNone/>
+            </a:pPr>
+            <a:r>
+              <a:rPr lang="en-US" sz="2800" dirty="0" smtClean="0"/>
+              <a:t>classrooms, offices, inside public transportation</a:t>
+            </a:r>
+          </a:p>
+          <a:p>
+            <a:pPr marL="0" indent="0" algn="ctr">
+              <a:buNone/>
+            </a:pPr>
+            <a:r>
+              <a:rPr lang="en-US" sz="2800" dirty="0" smtClean="0"/>
+              <a:t>EVEN THE RESTROOM!</a:t>
+            </a:r>
+            <a:endParaRPr lang="en-US" sz="2800" dirty="0"/>
           </a:p>
         </p:txBody>
       </p:sp>
@@ -6407,7 +8170,366 @@
   <p:timing>
     <p:tnLst>
       <p:par>
-        <p:cTn id="1" dur="indefinite" restart="never" nodeType="tmRoot"/>
+        <p:cTn xmlns:p14="http://schemas.microsoft.com/office/powerpoint/2010/main" id="1" dur="indefinite" restart="never" nodeType="tmRoot">
+          <p:childTnLst>
+            <p:seq concurrent="1" nextAc="seek">
+              <p:cTn id="2" dur="indefinite" nodeType="mainSeq">
+                <p:childTnLst>
+                  <p:par>
+                    <p:cTn id="3" fill="hold">
+                      <p:stCondLst>
+                        <p:cond delay="indefinite"/>
+                      </p:stCondLst>
+                      <p:childTnLst>
+                        <p:par>
+                          <p:cTn id="4" fill="hold">
+                            <p:stCondLst>
+                              <p:cond delay="0"/>
+                            </p:stCondLst>
+                            <p:childTnLst>
+                              <p:par>
+                                <p:cTn id="5" presetID="42" presetClass="entr" presetSubtype="0" fill="hold" nodeType="clickEffect">
+                                  <p:stCondLst>
+                                    <p:cond delay="0"/>
+                                  </p:stCondLst>
+                                  <p:childTnLst>
+                                    <p:set>
+                                      <p:cBhvr>
+                                        <p:cTn id="6" dur="1" fill="hold">
+                                          <p:stCondLst>
+                                            <p:cond delay="0"/>
+                                          </p:stCondLst>
+                                        </p:cTn>
+                                        <p:tgtEl>
+                                          <p:spTgt spid="5">
+                                            <p:txEl>
+                                              <p:pRg st="0" end="0"/>
+                                            </p:txEl>
+                                          </p:spTgt>
+                                        </p:tgtEl>
+                                        <p:attrNameLst>
+                                          <p:attrName>style.visibility</p:attrName>
+                                        </p:attrNameLst>
+                                      </p:cBhvr>
+                                      <p:to>
+                                        <p:strVal val="visible"/>
+                                      </p:to>
+                                    </p:set>
+                                    <p:animEffect transition="in" filter="fade">
+                                      <p:cBhvr>
+                                        <p:cTn id="7" dur="1000"/>
+                                        <p:tgtEl>
+                                          <p:spTgt spid="5">
+                                            <p:txEl>
+                                              <p:pRg st="0" end="0"/>
+                                            </p:txEl>
+                                          </p:spTgt>
+                                        </p:tgtEl>
+                                      </p:cBhvr>
+                                    </p:animEffect>
+                                    <p:anim calcmode="lin" valueType="num">
+                                      <p:cBhvr>
+                                        <p:cTn id="8" dur="1000" fill="hold"/>
+                                        <p:tgtEl>
+                                          <p:spTgt spid="5">
+                                            <p:txEl>
+                                              <p:pRg st="0" end="0"/>
+                                            </p:txEl>
+                                          </p:spTgt>
+                                        </p:tgtEl>
+                                        <p:attrNameLst>
+                                          <p:attrName>ppt_x</p:attrName>
+                                        </p:attrNameLst>
+                                      </p:cBhvr>
+                                      <p:tavLst>
+                                        <p:tav tm="0">
+                                          <p:val>
+                                            <p:strVal val="#ppt_x"/>
+                                          </p:val>
+                                        </p:tav>
+                                        <p:tav tm="100000">
+                                          <p:val>
+                                            <p:strVal val="#ppt_x"/>
+                                          </p:val>
+                                        </p:tav>
+                                      </p:tavLst>
+                                    </p:anim>
+                                    <p:anim calcmode="lin" valueType="num">
+                                      <p:cBhvr>
+                                        <p:cTn id="9" dur="1000" fill="hold"/>
+                                        <p:tgtEl>
+                                          <p:spTgt spid="5">
+                                            <p:txEl>
+                                              <p:pRg st="0" end="0"/>
+                                            </p:txEl>
+                                          </p:spTgt>
+                                        </p:tgtEl>
+                                        <p:attrNameLst>
+                                          <p:attrName>ppt_y</p:attrName>
+                                        </p:attrNameLst>
+                                      </p:cBhvr>
+                                      <p:tavLst>
+                                        <p:tav tm="0">
+                                          <p:val>
+                                            <p:strVal val="#ppt_y+.1"/>
+                                          </p:val>
+                                        </p:tav>
+                                        <p:tav tm="100000">
+                                          <p:val>
+                                            <p:strVal val="#ppt_y"/>
+                                          </p:val>
+                                        </p:tav>
+                                      </p:tavLst>
+                                    </p:anim>
+                                  </p:childTnLst>
+                                </p:cTn>
+                              </p:par>
+                            </p:childTnLst>
+                          </p:cTn>
+                        </p:par>
+                      </p:childTnLst>
+                    </p:cTn>
+                  </p:par>
+                  <p:par>
+                    <p:cTn id="10" fill="hold">
+                      <p:stCondLst>
+                        <p:cond delay="indefinite"/>
+                      </p:stCondLst>
+                      <p:childTnLst>
+                        <p:par>
+                          <p:cTn id="11" fill="hold">
+                            <p:stCondLst>
+                              <p:cond delay="0"/>
+                            </p:stCondLst>
+                            <p:childTnLst>
+                              <p:par>
+                                <p:cTn id="12" presetID="10" presetClass="entr" presetSubtype="0" fill="hold" nodeType="clickEffect">
+                                  <p:stCondLst>
+                                    <p:cond delay="0"/>
+                                  </p:stCondLst>
+                                  <p:childTnLst>
+                                    <p:set>
+                                      <p:cBhvr>
+                                        <p:cTn id="13" dur="1" fill="hold">
+                                          <p:stCondLst>
+                                            <p:cond delay="0"/>
+                                          </p:stCondLst>
+                                        </p:cTn>
+                                        <p:tgtEl>
+                                          <p:spTgt spid="5">
+                                            <p:txEl>
+                                              <p:pRg st="2" end="2"/>
+                                            </p:txEl>
+                                          </p:spTgt>
+                                        </p:tgtEl>
+                                        <p:attrNameLst>
+                                          <p:attrName>style.visibility</p:attrName>
+                                        </p:attrNameLst>
+                                      </p:cBhvr>
+                                      <p:to>
+                                        <p:strVal val="visible"/>
+                                      </p:to>
+                                    </p:set>
+                                    <p:animEffect transition="in" filter="fade">
+                                      <p:cBhvr>
+                                        <p:cTn id="14" dur="500"/>
+                                        <p:tgtEl>
+                                          <p:spTgt spid="5">
+                                            <p:txEl>
+                                              <p:pRg st="2" end="2"/>
+                                            </p:txEl>
+                                          </p:spTgt>
+                                        </p:tgtEl>
+                                      </p:cBhvr>
+                                    </p:animEffect>
+                                  </p:childTnLst>
+                                </p:cTn>
+                              </p:par>
+                            </p:childTnLst>
+                          </p:cTn>
+                        </p:par>
+                      </p:childTnLst>
+                    </p:cTn>
+                  </p:par>
+                  <p:par>
+                    <p:cTn id="15" fill="hold">
+                      <p:stCondLst>
+                        <p:cond delay="indefinite"/>
+                      </p:stCondLst>
+                      <p:childTnLst>
+                        <p:par>
+                          <p:cTn id="16" fill="hold">
+                            <p:stCondLst>
+                              <p:cond delay="0"/>
+                            </p:stCondLst>
+                            <p:childTnLst>
+                              <p:par>
+                                <p:cTn id="17" presetID="10" presetClass="entr" presetSubtype="0" fill="hold" nodeType="clickEffect">
+                                  <p:stCondLst>
+                                    <p:cond delay="0"/>
+                                  </p:stCondLst>
+                                  <p:childTnLst>
+                                    <p:set>
+                                      <p:cBhvr>
+                                        <p:cTn id="18" dur="1" fill="hold">
+                                          <p:stCondLst>
+                                            <p:cond delay="0"/>
+                                          </p:stCondLst>
+                                        </p:cTn>
+                                        <p:tgtEl>
+                                          <p:spTgt spid="5">
+                                            <p:txEl>
+                                              <p:pRg st="3" end="3"/>
+                                            </p:txEl>
+                                          </p:spTgt>
+                                        </p:tgtEl>
+                                        <p:attrNameLst>
+                                          <p:attrName>style.visibility</p:attrName>
+                                        </p:attrNameLst>
+                                      </p:cBhvr>
+                                      <p:to>
+                                        <p:strVal val="visible"/>
+                                      </p:to>
+                                    </p:set>
+                                    <p:animEffect transition="in" filter="fade">
+                                      <p:cBhvr>
+                                        <p:cTn id="19" dur="500"/>
+                                        <p:tgtEl>
+                                          <p:spTgt spid="5">
+                                            <p:txEl>
+                                              <p:pRg st="3" end="3"/>
+                                            </p:txEl>
+                                          </p:spTgt>
+                                        </p:tgtEl>
+                                      </p:cBhvr>
+                                    </p:animEffect>
+                                  </p:childTnLst>
+                                </p:cTn>
+                              </p:par>
+                            </p:childTnLst>
+                          </p:cTn>
+                        </p:par>
+                      </p:childTnLst>
+                    </p:cTn>
+                  </p:par>
+                  <p:par>
+                    <p:cTn id="20" fill="hold">
+                      <p:stCondLst>
+                        <p:cond delay="indefinite"/>
+                      </p:stCondLst>
+                      <p:childTnLst>
+                        <p:par>
+                          <p:cTn id="21" fill="hold">
+                            <p:stCondLst>
+                              <p:cond delay="0"/>
+                            </p:stCondLst>
+                            <p:childTnLst>
+                              <p:par>
+                                <p:cTn id="22" presetID="52" presetClass="entr" presetSubtype="0" fill="hold" nodeType="clickEffect">
+                                  <p:stCondLst>
+                                    <p:cond delay="0"/>
+                                  </p:stCondLst>
+                                  <p:childTnLst>
+                                    <p:set>
+                                      <p:cBhvr>
+                                        <p:cTn id="23" dur="1" fill="hold">
+                                          <p:stCondLst>
+                                            <p:cond delay="0"/>
+                                          </p:stCondLst>
+                                        </p:cTn>
+                                        <p:tgtEl>
+                                          <p:spTgt spid="5">
+                                            <p:txEl>
+                                              <p:pRg st="4" end="4"/>
+                                            </p:txEl>
+                                          </p:spTgt>
+                                        </p:tgtEl>
+                                        <p:attrNameLst>
+                                          <p:attrName>style.visibility</p:attrName>
+                                        </p:attrNameLst>
+                                      </p:cBhvr>
+                                      <p:to>
+                                        <p:strVal val="visible"/>
+                                      </p:to>
+                                    </p:set>
+                                    <p:animScale>
+                                      <p:cBhvr>
+                                        <p:cTn id="24" dur="1000" decel="50000" fill="hold">
+                                          <p:stCondLst>
+                                            <p:cond delay="0"/>
+                                          </p:stCondLst>
+                                        </p:cTn>
+                                        <p:tgtEl>
+                                          <p:spTgt spid="5">
+                                            <p:txEl>
+                                              <p:pRg st="4" end="4"/>
+                                            </p:txEl>
+                                          </p:spTgt>
+                                        </p:tgtEl>
+                                      </p:cBhvr>
+                                      <p:from x="250000" y="250000"/>
+                                      <p:to x="100000" y="100000"/>
+                                    </p:animScale>
+                                    <p:animMotion origin="layout" path="M -0.46736 0.92887  C -0.37517 0.88508  -0.02552 0.75279  0.0908 0.66613  C  0.20747 0.57948  0.21649 0.50394  0.23177 0.40825  C 0.24705 0.31256  0.22118 0.15964   0.18264 0.09152  C 0.1441 0.02341  0.03802 0.0  0.0 0.0  " pathEditMode="relative" ptsTypes="">
+                                      <p:cBhvr>
+                                        <p:cTn id="25" dur="1000" decel="50000" fill="hold">
+                                          <p:stCondLst>
+                                            <p:cond delay="0"/>
+                                          </p:stCondLst>
+                                        </p:cTn>
+                                        <p:tgtEl>
+                                          <p:spTgt spid="5">
+                                            <p:txEl>
+                                              <p:pRg st="4" end="4"/>
+                                            </p:txEl>
+                                          </p:spTgt>
+                                        </p:tgtEl>
+                                        <p:attrNameLst>
+                                          <p:attrName>ppt_x</p:attrName>
+                                          <p:attrName>ppt_y</p:attrName>
+                                        </p:attrNameLst>
+                                      </p:cBhvr>
+                                    </p:animMotion>
+                                    <p:animEffect transition="in" filter="fade">
+                                      <p:cBhvr>
+                                        <p:cTn id="26" dur="1000"/>
+                                        <p:tgtEl>
+                                          <p:spTgt spid="5">
+                                            <p:txEl>
+                                              <p:pRg st="4" end="4"/>
+                                            </p:txEl>
+                                          </p:spTgt>
+                                        </p:tgtEl>
+                                      </p:cBhvr>
+                                    </p:animEffect>
+                                  </p:childTnLst>
+                                </p:cTn>
+                              </p:par>
+                            </p:childTnLst>
+                          </p:cTn>
+                        </p:par>
+                      </p:childTnLst>
+                    </p:cTn>
+                  </p:par>
+                </p:childTnLst>
+              </p:cTn>
+              <p:prevCondLst>
+                <p:cond evt="onPrev" delay="0">
+                  <p:tgtEl>
+                    <p:sldTgt/>
+                  </p:tgtEl>
+                </p:cond>
+              </p:prevCondLst>
+              <p:nextCondLst>
+                <p:cond evt="onNext" delay="0">
+                  <p:tgtEl>
+                    <p:sldTgt/>
+                  </p:tgtEl>
+                </p:cond>
+              </p:nextCondLst>
+            </p:seq>
+          </p:childTnLst>
+        </p:cTn>
       </p:par>
     </p:tnLst>
   </p:timing>
@@ -6457,7 +8579,7 @@
     </a:clrScheme>
     <a:fontScheme name="Celestial">
       <a:majorFont>
-        <a:latin typeface="Calibri Light" panose="020F0302020204030204"/>
+        <a:latin typeface="Calibri Light"/>
         <a:ea typeface=""/>
         <a:cs typeface=""/>
         <a:font script="Jpan" typeface="ＭＳ Ｐゴシック"/>
@@ -6492,7 +8614,7 @@
         <a:font script="Geor" typeface="Sylfaen"/>
       </a:majorFont>
       <a:minorFont>
-        <a:latin typeface="Calibri" panose="020F0502020204030204"/>
+        <a:latin typeface="Calibri"/>
         <a:ea typeface=""/>
         <a:cs typeface=""/>
         <a:font script="Jpan" typeface="ＭＳ Ｐゴシック"/>
@@ -6657,7 +8779,7 @@
   <a:extraClrSchemeLst/>
   <a:extLst>
     <a:ext uri="{05A4C25C-085E-4340-85A3-A5531E510DB2}">
-      <thm15:themeFamily xmlns:thm15="http://schemas.microsoft.com/office/thememl/2012/main" name="Celestial" id="{C4BB2A3D-0E93-4C5F-B0D2-9D3FCE089CC5}" vid="{42E5908D-19A2-46FD-89FA-638B126129EF}"/>
+      <thm15:themeFamily xmlns:thm15="http://schemas.microsoft.com/office/thememl/2012/main" xmlns="" name="Celestial" id="{C4BB2A3D-0E93-4C5F-B0D2-9D3FCE089CC5}" vid="{42E5908D-19A2-46FD-89FA-638B126129EF}"/>
     </a:ext>
   </a:extLst>
 </a:theme>
